--- a/นิเทศก์/Ready/Poc2.ทรัพยากรสาธารณสุข.pptx
+++ b/นิเทศก์/Ready/Poc2.ทรัพยากรสาธารณสุข.pptx
@@ -197,7 +197,7 @@
           <a:p>
             <a:fld id="{ACA5C891-8222-4BC9-A352-DF3A902C8F1A}" type="datetimeFigureOut">
               <a:rPr lang="en-US" smtClean="0"/>
-              <a:t>2/25/2019</a:t>
+              <a:t>2/26/2019</a:t>
             </a:fld>
             <a:endParaRPr lang="en-US"/>
           </a:p>
@@ -611,7 +611,7 @@
           <a:p>
             <a:fld id="{0CE2965B-A7A9-4CA3-8CB1-846106183120}" type="datetimeFigureOut">
               <a:rPr lang="en-US" smtClean="0"/>
-              <a:t>2/25/2019</a:t>
+              <a:t>2/26/2019</a:t>
             </a:fld>
             <a:endParaRPr lang="en-US"/>
           </a:p>
@@ -809,7 +809,7 @@
           <a:p>
             <a:fld id="{0CE2965B-A7A9-4CA3-8CB1-846106183120}" type="datetimeFigureOut">
               <a:rPr lang="en-US" smtClean="0"/>
-              <a:t>2/25/2019</a:t>
+              <a:t>2/26/2019</a:t>
             </a:fld>
             <a:endParaRPr lang="en-US"/>
           </a:p>
@@ -1017,7 +1017,7 @@
           <a:p>
             <a:fld id="{0CE2965B-A7A9-4CA3-8CB1-846106183120}" type="datetimeFigureOut">
               <a:rPr lang="en-US" smtClean="0"/>
-              <a:t>2/25/2019</a:t>
+              <a:t>2/26/2019</a:t>
             </a:fld>
             <a:endParaRPr lang="en-US"/>
           </a:p>
@@ -1215,7 +1215,7 @@
           <a:p>
             <a:fld id="{0CE2965B-A7A9-4CA3-8CB1-846106183120}" type="datetimeFigureOut">
               <a:rPr lang="en-US" smtClean="0"/>
-              <a:t>2/25/2019</a:t>
+              <a:t>2/26/2019</a:t>
             </a:fld>
             <a:endParaRPr lang="en-US"/>
           </a:p>
@@ -1490,7 +1490,7 @@
           <a:p>
             <a:fld id="{0CE2965B-A7A9-4CA3-8CB1-846106183120}" type="datetimeFigureOut">
               <a:rPr lang="en-US" smtClean="0"/>
-              <a:t>2/25/2019</a:t>
+              <a:t>2/26/2019</a:t>
             </a:fld>
             <a:endParaRPr lang="en-US"/>
           </a:p>
@@ -1755,7 +1755,7 @@
           <a:p>
             <a:fld id="{0CE2965B-A7A9-4CA3-8CB1-846106183120}" type="datetimeFigureOut">
               <a:rPr lang="en-US" smtClean="0"/>
-              <a:t>2/25/2019</a:t>
+              <a:t>2/26/2019</a:t>
             </a:fld>
             <a:endParaRPr lang="en-US"/>
           </a:p>
@@ -2167,7 +2167,7 @@
           <a:p>
             <a:fld id="{0CE2965B-A7A9-4CA3-8CB1-846106183120}" type="datetimeFigureOut">
               <a:rPr lang="en-US" smtClean="0"/>
-              <a:t>2/25/2019</a:t>
+              <a:t>2/26/2019</a:t>
             </a:fld>
             <a:endParaRPr lang="en-US"/>
           </a:p>
@@ -2308,7 +2308,7 @@
           <a:p>
             <a:fld id="{0CE2965B-A7A9-4CA3-8CB1-846106183120}" type="datetimeFigureOut">
               <a:rPr lang="en-US" smtClean="0"/>
-              <a:t>2/25/2019</a:t>
+              <a:t>2/26/2019</a:t>
             </a:fld>
             <a:endParaRPr lang="en-US"/>
           </a:p>
@@ -2421,7 +2421,7 @@
           <a:p>
             <a:fld id="{0CE2965B-A7A9-4CA3-8CB1-846106183120}" type="datetimeFigureOut">
               <a:rPr lang="en-US" smtClean="0"/>
-              <a:t>2/25/2019</a:t>
+              <a:t>2/26/2019</a:t>
             </a:fld>
             <a:endParaRPr lang="en-US"/>
           </a:p>
@@ -2732,7 +2732,7 @@
           <a:p>
             <a:fld id="{0CE2965B-A7A9-4CA3-8CB1-846106183120}" type="datetimeFigureOut">
               <a:rPr lang="en-US" smtClean="0"/>
-              <a:t>2/25/2019</a:t>
+              <a:t>2/26/2019</a:t>
             </a:fld>
             <a:endParaRPr lang="en-US"/>
           </a:p>
@@ -3020,7 +3020,7 @@
           <a:p>
             <a:fld id="{0CE2965B-A7A9-4CA3-8CB1-846106183120}" type="datetimeFigureOut">
               <a:rPr lang="en-US" smtClean="0"/>
-              <a:t>2/25/2019</a:t>
+              <a:t>2/26/2019</a:t>
             </a:fld>
             <a:endParaRPr lang="en-US"/>
           </a:p>
@@ -3261,7 +3261,7 @@
           <a:p>
             <a:fld id="{0CE2965B-A7A9-4CA3-8CB1-846106183120}" type="datetimeFigureOut">
               <a:rPr lang="en-US" smtClean="0"/>
-              <a:t>2/25/2019</a:t>
+              <a:t>2/26/2019</a:t>
             </a:fld>
             <a:endParaRPr lang="en-US"/>
           </a:p>
@@ -3731,7 +3731,7 @@
         </p:nvGrpSpPr>
         <p:grpSpPr>
           <a:xfrm>
-            <a:off x="7482857" y="1019612"/>
+            <a:off x="7482857" y="1271400"/>
             <a:ext cx="3108875" cy="5219997"/>
             <a:chOff x="3324473" y="385763"/>
             <a:chExt cx="3714509" cy="6088327"/>
@@ -10110,7 +10110,7 @@
         </p:nvSpPr>
         <p:spPr>
           <a:xfrm>
-            <a:off x="9610347" y="1893531"/>
+            <a:off x="9641678" y="2119263"/>
             <a:ext cx="492571" cy="307777"/>
           </a:xfrm>
           <a:prstGeom prst="rect">
@@ -10126,7 +10126,7 @@
           <a:p>
             <a:pPr algn="ctr"/>
             <a:r>
-              <a:rPr lang="th-TH" sz="1400" b="1" dirty="0">
+              <a:rPr lang="th-TH" sz="1400" dirty="0">
                 <a:ln w="10160">
                   <a:solidFill>
                     <a:srgbClr val="0070C0"/>
@@ -10142,7 +10142,7 @@
               </a:rPr>
               <a:t>ปะทิว</a:t>
             </a:r>
-            <a:endParaRPr lang="en-US" sz="1400" b="1" dirty="0">
+            <a:endParaRPr lang="en-US" sz="1400" dirty="0">
               <a:ln w="10160">
                 <a:solidFill>
                   <a:srgbClr val="0070C0"/>
@@ -10173,7 +10173,7 @@
         </p:nvSpPr>
         <p:spPr>
           <a:xfrm>
-            <a:off x="8857678" y="1893531"/>
+            <a:off x="8857678" y="2132067"/>
             <a:ext cx="527709" cy="307777"/>
           </a:xfrm>
           <a:prstGeom prst="rect">
@@ -10189,7 +10189,7 @@
           <a:p>
             <a:pPr algn="ctr"/>
             <a:r>
-              <a:rPr lang="th-TH" sz="1400" b="1" dirty="0">
+              <a:rPr lang="th-TH" sz="1400" dirty="0">
                 <a:ln w="10160">
                   <a:solidFill>
                     <a:srgbClr val="0070C0"/>
@@ -10205,7 +10205,7 @@
               </a:rPr>
               <a:t>ท่าแซะ</a:t>
             </a:r>
-            <a:endParaRPr lang="en-US" sz="1400" b="1" dirty="0">
+            <a:endParaRPr lang="en-US" sz="1400" dirty="0">
               <a:ln w="10160">
                 <a:solidFill>
                   <a:srgbClr val="0070C0"/>
@@ -10236,8 +10236,8 @@
         </p:nvSpPr>
         <p:spPr>
           <a:xfrm>
-            <a:off x="4106172" y="1313504"/>
-            <a:ext cx="4153915" cy="2308324"/>
+            <a:off x="4106173" y="1313504"/>
+            <a:ext cx="3796470" cy="2062103"/>
           </a:xfrm>
           <a:prstGeom prst="rect">
             <a:avLst/>
@@ -10263,7 +10263,7 @@
           <a:lstStyle/>
           <a:p>
             <a:r>
-              <a:rPr lang="th-TH" sz="3600" b="1" dirty="0">
+              <a:rPr lang="th-TH" sz="3200" b="1" dirty="0">
                 <a:ln>
                   <a:solidFill>
                     <a:srgbClr val="0070C0"/>
@@ -10279,7 +10279,7 @@
               <a:t>รพ.กลาโหม 1 แห่ง </a:t>
             </a:r>
             <a:r>
-              <a:rPr lang="en-US" sz="3600" b="1" dirty="0">
+              <a:rPr lang="en-US" sz="3200" b="1" dirty="0">
                 <a:ln>
                   <a:solidFill>
                     <a:srgbClr val="0070C0"/>
@@ -10295,7 +10295,7 @@
               <a:t> </a:t>
             </a:r>
             <a:r>
-              <a:rPr lang="en-US" sz="3600" b="1" dirty="0">
+              <a:rPr lang="en-US" sz="3200" b="1" dirty="0">
                 <a:ln>
                   <a:solidFill>
                     <a:srgbClr val="0070C0"/>
@@ -10311,7 +10311,7 @@
               <a:t>30</a:t>
             </a:r>
             <a:r>
-              <a:rPr lang="th-TH" sz="3600" b="1" dirty="0">
+              <a:rPr lang="th-TH" sz="3200" b="1" dirty="0">
                 <a:ln>
                   <a:solidFill>
                     <a:srgbClr val="0070C0"/>
@@ -10329,7 +10329,7 @@
           </a:p>
           <a:p>
             <a:r>
-              <a:rPr lang="th-TH" sz="3600" b="1" dirty="0">
+              <a:rPr lang="th-TH" sz="3200" b="1" dirty="0">
                 <a:ln>
                   <a:solidFill>
                     <a:srgbClr val="0070C0"/>
@@ -10347,7 +10347,7 @@
           </a:p>
           <a:p>
             <a:r>
-              <a:rPr lang="th-TH" sz="3600" b="1" dirty="0">
+              <a:rPr lang="th-TH" sz="3200" b="1" dirty="0">
                 <a:ln>
                   <a:solidFill>
                     <a:srgbClr val="0070C0"/>
@@ -10363,7 +10363,7 @@
               <a:t>รพ.สธ.</a:t>
             </a:r>
             <a:r>
-              <a:rPr lang="en-US" sz="3600" b="1" dirty="0">
+              <a:rPr lang="en-US" sz="3200" b="1" dirty="0">
                 <a:ln>
                   <a:solidFill>
                     <a:srgbClr val="0070C0"/>
@@ -10379,7 +10379,7 @@
               <a:t> </a:t>
             </a:r>
             <a:r>
-              <a:rPr lang="th-TH" sz="3600" b="1" dirty="0">
+              <a:rPr lang="th-TH" sz="3200" b="1" dirty="0">
                 <a:ln>
                   <a:solidFill>
                     <a:srgbClr val="0070C0"/>
@@ -10395,7 +10395,7 @@
               <a:t>(ระดับ</a:t>
             </a:r>
             <a:r>
-              <a:rPr lang="en-US" sz="3600" b="1" dirty="0">
+              <a:rPr lang="en-US" sz="3200" b="1" dirty="0">
                 <a:ln>
                   <a:solidFill>
                     <a:srgbClr val="0070C0"/>
@@ -10411,7 +10411,7 @@
               <a:t>S</a:t>
             </a:r>
             <a:r>
-              <a:rPr lang="en-US" sz="3600" b="1" dirty="0">
+              <a:rPr lang="en-US" sz="3200" b="1" dirty="0">
                 <a:ln>
                   <a:solidFill>
                     <a:srgbClr val="0070C0"/>
@@ -10427,7 +10427,7 @@
               <a:t> - </a:t>
             </a:r>
             <a:r>
-              <a:rPr lang="en-US" sz="3600" b="1" dirty="0">
+              <a:rPr lang="en-US" sz="3200" b="1" dirty="0">
                 <a:ln>
                   <a:solidFill>
                     <a:srgbClr val="0070C0"/>
@@ -10443,7 +10443,7 @@
               <a:t>F3</a:t>
             </a:r>
             <a:r>
-              <a:rPr lang="th-TH" sz="3600" b="1" dirty="0">
+              <a:rPr lang="th-TH" sz="3200" b="1" dirty="0">
                 <a:ln>
                   <a:solidFill>
                     <a:srgbClr val="0070C0"/>
@@ -10458,7 +10458,7 @@
               </a:rPr>
               <a:t>) 909 เตียง</a:t>
             </a:r>
-            <a:endParaRPr lang="en-US" sz="3600" b="1" dirty="0">
+            <a:endParaRPr lang="en-US" sz="3200" b="1" dirty="0">
               <a:ln>
                 <a:solidFill>
                   <a:srgbClr val="0070C0"/>
@@ -10474,7 +10474,7 @@
           </a:p>
           <a:p>
             <a:r>
-              <a:rPr lang="en-US" sz="3600" b="1" dirty="0">
+              <a:rPr lang="en-US" sz="3200" b="1" dirty="0">
                 <a:ln>
                   <a:solidFill>
                     <a:srgbClr val="0070C0"/>
@@ -10490,7 +10490,7 @@
               <a:t>PCC</a:t>
             </a:r>
             <a:r>
-              <a:rPr lang="en-US" sz="3600" b="1" dirty="0">
+              <a:rPr lang="en-US" sz="3200" b="1" dirty="0">
                 <a:ln>
                   <a:solidFill>
                     <a:srgbClr val="0070C0"/>
@@ -10506,7 +10506,7 @@
               <a:t> </a:t>
             </a:r>
             <a:r>
-              <a:rPr lang="en-US" sz="3600" b="1" dirty="0">
+              <a:rPr lang="en-US" sz="3200" b="1" dirty="0">
                 <a:ln>
                   <a:solidFill>
                     <a:srgbClr val="0070C0"/>
@@ -10522,7 +10522,7 @@
               <a:t>4</a:t>
             </a:r>
             <a:r>
-              <a:rPr lang="en-US" sz="3600" b="1" dirty="0">
+              <a:rPr lang="en-US" sz="3200" b="1" dirty="0">
                 <a:ln>
                   <a:solidFill>
                     <a:srgbClr val="0070C0"/>
@@ -10538,7 +10538,7 @@
               <a:t> </a:t>
             </a:r>
             <a:r>
-              <a:rPr lang="th-TH" sz="3600" b="1" dirty="0">
+              <a:rPr lang="th-TH" sz="3200" b="1" dirty="0">
                 <a:ln>
                   <a:solidFill>
                     <a:srgbClr val="0070C0"/>
@@ -10556,299 +10556,1459 @@
           </a:p>
         </p:txBody>
       </p:sp>
-      <p:sp>
-        <p:nvSpPr>
-          <p:cNvPr id="28" name="Subtitle 2">
+      <p:pic>
+        <p:nvPicPr>
+          <p:cNvPr id="5" name="Picture 4">
             <a:extLst>
               <a:ext uri="{FF2B5EF4-FFF2-40B4-BE49-F238E27FC236}">
-                <a16:creationId xmlns:a16="http://schemas.microsoft.com/office/drawing/2014/main" id="{1CA9A23D-F460-4F81-A20E-B2BE3E3893B6}"/>
+                <a16:creationId xmlns:a16="http://schemas.microsoft.com/office/drawing/2014/main" id="{F8B25FB0-22F1-4091-9974-0C523195351B}"/>
               </a:ext>
             </a:extLst>
           </p:cNvPr>
-          <p:cNvSpPr txBox="1">
-            <a:spLocks/>
-          </p:cNvSpPr>
+          <p:cNvPicPr>
+            <a:picLocks noChangeAspect="1"/>
+          </p:cNvPicPr>
+          <p:nvPr/>
+        </p:nvPicPr>
+        <p:blipFill>
+          <a:blip r:embed="rId3"/>
+          <a:stretch>
+            <a:fillRect/>
+          </a:stretch>
+        </p:blipFill>
+        <p:spPr>
+          <a:xfrm>
+            <a:off x="11077157" y="61971"/>
+            <a:ext cx="1010943" cy="1010943"/>
+          </a:xfrm>
+          <a:prstGeom prst="rect">
+            <a:avLst/>
+          </a:prstGeom>
+        </p:spPr>
+      </p:pic>
+      <p:sp>
+        <p:nvSpPr>
+          <p:cNvPr id="31" name="TextBox 30">
+            <a:extLst>
+              <a:ext uri="{FF2B5EF4-FFF2-40B4-BE49-F238E27FC236}">
+                <a16:creationId xmlns:a16="http://schemas.microsoft.com/office/drawing/2014/main" id="{FA4ED843-F2F2-4E51-8964-753FC5DB9A92}"/>
+              </a:ext>
+            </a:extLst>
+          </p:cNvPr>
+          <p:cNvSpPr txBox="1"/>
           <p:nvPr/>
         </p:nvSpPr>
         <p:spPr>
           <a:xfrm>
-            <a:off x="-8388" y="6335486"/>
-            <a:ext cx="12200192" cy="527479"/>
+            <a:off x="9063318" y="2971519"/>
+            <a:ext cx="420307" cy="307777"/>
           </a:xfrm>
           <a:prstGeom prst="rect">
             <a:avLst/>
           </a:prstGeom>
-          <a:gradFill>
-            <a:gsLst>
-              <a:gs pos="0">
-                <a:srgbClr val="0070C0"/>
-              </a:gs>
-              <a:gs pos="50000">
-                <a:srgbClr val="00B0F0"/>
-              </a:gs>
-              <a:gs pos="100000">
-                <a:srgbClr val="0070C0"/>
-              </a:gs>
-            </a:gsLst>
-          </a:gradFill>
+          <a:noFill/>
+        </p:spPr>
+        <p:txBody>
+          <a:bodyPr wrap="none" rtlCol="0">
+            <a:spAutoFit/>
+          </a:bodyPr>
+          <a:lstStyle/>
+          <a:p>
+            <a:pPr algn="ctr"/>
+            <a:r>
+              <a:rPr lang="th-TH" sz="1400" dirty="0">
+                <a:ln w="10160">
+                  <a:solidFill>
+                    <a:srgbClr val="0070C0"/>
+                  </a:solidFill>
+                  <a:prstDash val="solid"/>
+                </a:ln>
+                <a:solidFill>
+                  <a:srgbClr val="002060"/>
+                </a:solidFill>
+                <a:effectLst/>
+                <a:latin typeface="Angsana New" panose="02020603050405020304" pitchFamily="18" charset="-34"/>
+                <a:cs typeface="Angsana New" panose="02020603050405020304" pitchFamily="18" charset="-34"/>
+              </a:rPr>
+              <a:t>เมือง</a:t>
+            </a:r>
+            <a:endParaRPr lang="en-US" sz="1400" dirty="0">
+              <a:ln w="10160">
+                <a:solidFill>
+                  <a:srgbClr val="0070C0"/>
+                </a:solidFill>
+                <a:prstDash val="solid"/>
+              </a:ln>
+              <a:solidFill>
+                <a:srgbClr val="002060"/>
+              </a:solidFill>
+              <a:effectLst/>
+              <a:latin typeface="Angsana New" panose="02020603050405020304" pitchFamily="18" charset="-34"/>
+              <a:cs typeface="Angsana New" panose="02020603050405020304" pitchFamily="18" charset="-34"/>
+            </a:endParaRPr>
+          </a:p>
+        </p:txBody>
+      </p:sp>
+      <p:sp>
+        <p:nvSpPr>
+          <p:cNvPr id="32" name="TextBox 31">
+            <a:extLst>
+              <a:ext uri="{FF2B5EF4-FFF2-40B4-BE49-F238E27FC236}">
+                <a16:creationId xmlns:a16="http://schemas.microsoft.com/office/drawing/2014/main" id="{79B3EFE8-8A65-4858-A654-67CA844E05F3}"/>
+              </a:ext>
+            </a:extLst>
+          </p:cNvPr>
+          <p:cNvSpPr txBox="1"/>
+          <p:nvPr/>
+        </p:nvSpPr>
+        <p:spPr>
+          <a:xfrm>
+            <a:off x="8644194" y="3574987"/>
+            <a:ext cx="386657" cy="307777"/>
+          </a:xfrm>
+          <a:prstGeom prst="rect">
+            <a:avLst/>
+          </a:prstGeom>
+          <a:noFill/>
+        </p:spPr>
+        <p:txBody>
+          <a:bodyPr wrap="square" rtlCol="0">
+            <a:spAutoFit/>
+          </a:bodyPr>
+          <a:lstStyle/>
+          <a:p>
+            <a:pPr algn="ctr"/>
+            <a:r>
+              <a:rPr lang="th-TH" sz="1400" dirty="0">
+                <a:ln w="10160">
+                  <a:solidFill>
+                    <a:srgbClr val="0070C0"/>
+                  </a:solidFill>
+                  <a:prstDash val="solid"/>
+                </a:ln>
+                <a:solidFill>
+                  <a:srgbClr val="002060"/>
+                </a:solidFill>
+                <a:effectLst/>
+                <a:latin typeface="Angsana New" panose="02020603050405020304" pitchFamily="18" charset="-34"/>
+                <a:cs typeface="Angsana New" panose="02020603050405020304" pitchFamily="18" charset="-34"/>
+              </a:rPr>
+              <a:t>สวี</a:t>
+            </a:r>
+            <a:endParaRPr lang="en-US" sz="1400" dirty="0">
+              <a:ln w="10160">
+                <a:solidFill>
+                  <a:srgbClr val="0070C0"/>
+                </a:solidFill>
+                <a:prstDash val="solid"/>
+              </a:ln>
+              <a:solidFill>
+                <a:srgbClr val="002060"/>
+              </a:solidFill>
+              <a:effectLst/>
+              <a:latin typeface="Angsana New" panose="02020603050405020304" pitchFamily="18" charset="-34"/>
+              <a:cs typeface="Angsana New" panose="02020603050405020304" pitchFamily="18" charset="-34"/>
+            </a:endParaRPr>
+          </a:p>
+        </p:txBody>
+      </p:sp>
+      <p:sp>
+        <p:nvSpPr>
+          <p:cNvPr id="33" name="TextBox 32">
+            <a:extLst>
+              <a:ext uri="{FF2B5EF4-FFF2-40B4-BE49-F238E27FC236}">
+                <a16:creationId xmlns:a16="http://schemas.microsoft.com/office/drawing/2014/main" id="{45D16A1D-EB74-4D44-B710-9E62D6F4F584}"/>
+              </a:ext>
+            </a:extLst>
+          </p:cNvPr>
+          <p:cNvSpPr txBox="1"/>
+          <p:nvPr/>
+        </p:nvSpPr>
+        <p:spPr>
+          <a:xfrm>
+            <a:off x="9285881" y="4470219"/>
+            <a:ext cx="588624" cy="307777"/>
+          </a:xfrm>
+          <a:prstGeom prst="rect">
+            <a:avLst/>
+          </a:prstGeom>
+          <a:noFill/>
+        </p:spPr>
+        <p:txBody>
+          <a:bodyPr wrap="none" rtlCol="0">
+            <a:spAutoFit/>
+          </a:bodyPr>
+          <a:lstStyle/>
+          <a:p>
+            <a:pPr algn="ctr"/>
+            <a:r>
+              <a:rPr lang="th-TH" sz="1400" dirty="0">
+                <a:ln w="10160">
+                  <a:solidFill>
+                    <a:srgbClr val="0070C0"/>
+                  </a:solidFill>
+                  <a:prstDash val="solid"/>
+                </a:ln>
+                <a:solidFill>
+                  <a:srgbClr val="002060"/>
+                </a:solidFill>
+                <a:effectLst/>
+                <a:latin typeface="Angsana New" panose="02020603050405020304" pitchFamily="18" charset="-34"/>
+                <a:cs typeface="Angsana New" panose="02020603050405020304" pitchFamily="18" charset="-34"/>
+              </a:rPr>
+              <a:t>ทุ่งตะโก</a:t>
+            </a:r>
+            <a:endParaRPr lang="en-US" sz="1400" dirty="0">
+              <a:ln w="10160">
+                <a:solidFill>
+                  <a:srgbClr val="0070C0"/>
+                </a:solidFill>
+                <a:prstDash val="solid"/>
+              </a:ln>
+              <a:solidFill>
+                <a:srgbClr val="002060"/>
+              </a:solidFill>
+              <a:effectLst/>
+              <a:latin typeface="Angsana New" panose="02020603050405020304" pitchFamily="18" charset="-34"/>
+              <a:cs typeface="Angsana New" panose="02020603050405020304" pitchFamily="18" charset="-34"/>
+            </a:endParaRPr>
+          </a:p>
+        </p:txBody>
+      </p:sp>
+      <p:sp>
+        <p:nvSpPr>
+          <p:cNvPr id="34" name="TextBox 33">
+            <a:extLst>
+              <a:ext uri="{FF2B5EF4-FFF2-40B4-BE49-F238E27FC236}">
+                <a16:creationId xmlns:a16="http://schemas.microsoft.com/office/drawing/2014/main" id="{B661A637-18FC-404C-96B6-D6C6C850FB93}"/>
+              </a:ext>
+            </a:extLst>
+          </p:cNvPr>
+          <p:cNvSpPr txBox="1"/>
+          <p:nvPr/>
+        </p:nvSpPr>
+        <p:spPr>
+          <a:xfrm>
+            <a:off x="8744141" y="4868678"/>
+            <a:ext cx="617477" cy="307777"/>
+          </a:xfrm>
+          <a:prstGeom prst="rect">
+            <a:avLst/>
+          </a:prstGeom>
+          <a:noFill/>
+        </p:spPr>
+        <p:txBody>
+          <a:bodyPr wrap="none" rtlCol="0">
+            <a:spAutoFit/>
+          </a:bodyPr>
+          <a:lstStyle/>
+          <a:p>
+            <a:pPr algn="ctr"/>
+            <a:r>
+              <a:rPr lang="th-TH" sz="1400" dirty="0">
+                <a:ln w="10160">
+                  <a:solidFill>
+                    <a:srgbClr val="0070C0"/>
+                  </a:solidFill>
+                  <a:prstDash val="solid"/>
+                </a:ln>
+                <a:solidFill>
+                  <a:srgbClr val="002060"/>
+                </a:solidFill>
+                <a:effectLst/>
+                <a:latin typeface="Angsana New" panose="02020603050405020304" pitchFamily="18" charset="-34"/>
+                <a:cs typeface="Angsana New" panose="02020603050405020304" pitchFamily="18" charset="-34"/>
+              </a:rPr>
+              <a:t>หลังสวน</a:t>
+            </a:r>
+            <a:endParaRPr lang="en-US" sz="1400" dirty="0">
+              <a:ln w="10160">
+                <a:solidFill>
+                  <a:srgbClr val="0070C0"/>
+                </a:solidFill>
+                <a:prstDash val="solid"/>
+              </a:ln>
+              <a:solidFill>
+                <a:srgbClr val="002060"/>
+              </a:solidFill>
+              <a:effectLst/>
+              <a:latin typeface="Angsana New" panose="02020603050405020304" pitchFamily="18" charset="-34"/>
+              <a:cs typeface="Angsana New" panose="02020603050405020304" pitchFamily="18" charset="-34"/>
+            </a:endParaRPr>
+          </a:p>
+        </p:txBody>
+      </p:sp>
+      <p:sp>
+        <p:nvSpPr>
+          <p:cNvPr id="35" name="TextBox 34">
+            <a:extLst>
+              <a:ext uri="{FF2B5EF4-FFF2-40B4-BE49-F238E27FC236}">
+                <a16:creationId xmlns:a16="http://schemas.microsoft.com/office/drawing/2014/main" id="{A2461763-5C6E-4323-A97E-B6D3C0E97CB9}"/>
+              </a:ext>
+            </a:extLst>
+          </p:cNvPr>
+          <p:cNvSpPr txBox="1"/>
+          <p:nvPr/>
+        </p:nvSpPr>
+        <p:spPr>
+          <a:xfrm>
+            <a:off x="8902839" y="5609281"/>
+            <a:ext cx="458779" cy="307777"/>
+          </a:xfrm>
+          <a:prstGeom prst="rect">
+            <a:avLst/>
+          </a:prstGeom>
+          <a:noFill/>
+        </p:spPr>
+        <p:txBody>
+          <a:bodyPr wrap="none" rtlCol="0">
+            <a:spAutoFit/>
+          </a:bodyPr>
+          <a:lstStyle/>
+          <a:p>
+            <a:pPr algn="ctr"/>
+            <a:r>
+              <a:rPr lang="th-TH" sz="1400" dirty="0">
+                <a:ln w="10160">
+                  <a:solidFill>
+                    <a:srgbClr val="0070C0"/>
+                  </a:solidFill>
+                  <a:prstDash val="solid"/>
+                </a:ln>
+                <a:solidFill>
+                  <a:srgbClr val="002060"/>
+                </a:solidFill>
+                <a:effectLst/>
+                <a:latin typeface="Angsana New" panose="02020603050405020304" pitchFamily="18" charset="-34"/>
+                <a:cs typeface="Angsana New" panose="02020603050405020304" pitchFamily="18" charset="-34"/>
+              </a:rPr>
+              <a:t>ละแม</a:t>
+            </a:r>
+            <a:endParaRPr lang="en-US" sz="1400" dirty="0">
+              <a:ln w="10160">
+                <a:solidFill>
+                  <a:srgbClr val="0070C0"/>
+                </a:solidFill>
+                <a:prstDash val="solid"/>
+              </a:ln>
+              <a:solidFill>
+                <a:srgbClr val="002060"/>
+              </a:solidFill>
+              <a:effectLst/>
+              <a:latin typeface="Angsana New" panose="02020603050405020304" pitchFamily="18" charset="-34"/>
+              <a:cs typeface="Angsana New" panose="02020603050405020304" pitchFamily="18" charset="-34"/>
+            </a:endParaRPr>
+          </a:p>
+        </p:txBody>
+      </p:sp>
+      <p:sp>
+        <p:nvSpPr>
+          <p:cNvPr id="36" name="TextBox 35">
+            <a:extLst>
+              <a:ext uri="{FF2B5EF4-FFF2-40B4-BE49-F238E27FC236}">
+                <a16:creationId xmlns:a16="http://schemas.microsoft.com/office/drawing/2014/main" id="{5B4D37B9-01E2-4BB6-B98C-030DC2B453CB}"/>
+              </a:ext>
+            </a:extLst>
+          </p:cNvPr>
+          <p:cNvSpPr txBox="1"/>
+          <p:nvPr/>
+        </p:nvSpPr>
+        <p:spPr>
+          <a:xfrm>
+            <a:off x="7902643" y="5368638"/>
+            <a:ext cx="529312" cy="307777"/>
+          </a:xfrm>
+          <a:prstGeom prst="rect">
+            <a:avLst/>
+          </a:prstGeom>
+          <a:noFill/>
+        </p:spPr>
+        <p:txBody>
+          <a:bodyPr wrap="none" rtlCol="0">
+            <a:spAutoFit/>
+          </a:bodyPr>
+          <a:lstStyle/>
+          <a:p>
+            <a:pPr algn="ctr"/>
+            <a:r>
+              <a:rPr lang="th-TH" sz="1400" dirty="0">
+                <a:ln w="10160">
+                  <a:solidFill>
+                    <a:srgbClr val="0070C0"/>
+                  </a:solidFill>
+                  <a:prstDash val="solid"/>
+                </a:ln>
+                <a:solidFill>
+                  <a:srgbClr val="002060"/>
+                </a:solidFill>
+                <a:effectLst/>
+                <a:latin typeface="Angsana New" panose="02020603050405020304" pitchFamily="18" charset="-34"/>
+                <a:cs typeface="Angsana New" panose="02020603050405020304" pitchFamily="18" charset="-34"/>
+              </a:rPr>
+              <a:t>พะโต๊ะ</a:t>
+            </a:r>
+            <a:endParaRPr lang="en-US" sz="1400" dirty="0">
+              <a:ln w="10160">
+                <a:solidFill>
+                  <a:srgbClr val="0070C0"/>
+                </a:solidFill>
+                <a:prstDash val="solid"/>
+              </a:ln>
+              <a:solidFill>
+                <a:srgbClr val="002060"/>
+              </a:solidFill>
+              <a:effectLst/>
+              <a:latin typeface="Angsana New" panose="02020603050405020304" pitchFamily="18" charset="-34"/>
+              <a:cs typeface="Angsana New" panose="02020603050405020304" pitchFamily="18" charset="-34"/>
+            </a:endParaRPr>
+          </a:p>
+        </p:txBody>
+      </p:sp>
+      <p:sp>
+        <p:nvSpPr>
+          <p:cNvPr id="37" name="TextBox 36">
+            <a:extLst>
+              <a:ext uri="{FF2B5EF4-FFF2-40B4-BE49-F238E27FC236}">
+                <a16:creationId xmlns:a16="http://schemas.microsoft.com/office/drawing/2014/main" id="{9E227950-9372-40A9-A278-3D530D7ADF53}"/>
+              </a:ext>
+            </a:extLst>
+          </p:cNvPr>
+          <p:cNvSpPr txBox="1"/>
+          <p:nvPr/>
+        </p:nvSpPr>
+        <p:spPr>
+          <a:xfrm>
+            <a:off x="7447588" y="3208102"/>
+            <a:ext cx="763349" cy="923330"/>
+          </a:xfrm>
+          <a:prstGeom prst="rect">
+            <a:avLst/>
+          </a:prstGeom>
+          <a:noFill/>
+        </p:spPr>
+        <p:txBody>
+          <a:bodyPr wrap="none" rtlCol="0">
+            <a:spAutoFit/>
+          </a:bodyPr>
+          <a:lstStyle/>
+          <a:p>
+            <a:pPr algn="ctr"/>
+            <a:r>
+              <a:rPr lang="th-TH" dirty="0">
+                <a:ln w="10160">
+                  <a:solidFill>
+                    <a:srgbClr val="FF0000"/>
+                  </a:solidFill>
+                  <a:prstDash val="solid"/>
+                </a:ln>
+                <a:solidFill>
+                  <a:srgbClr val="FF0000"/>
+                </a:solidFill>
+                <a:effectLst/>
+                <a:latin typeface="Angsana New" panose="02020603050405020304" pitchFamily="18" charset="-34"/>
+                <a:cs typeface="Angsana New" panose="02020603050405020304" pitchFamily="18" charset="-34"/>
+              </a:rPr>
+              <a:t>ระนอง</a:t>
+            </a:r>
+            <a:endParaRPr lang="en-US" dirty="0">
+              <a:ln w="10160">
+                <a:solidFill>
+                  <a:srgbClr val="FF0000"/>
+                </a:solidFill>
+                <a:prstDash val="solid"/>
+              </a:ln>
+              <a:solidFill>
+                <a:srgbClr val="FF0000"/>
+              </a:solidFill>
+              <a:effectLst/>
+              <a:latin typeface="Angsana New" panose="02020603050405020304" pitchFamily="18" charset="-34"/>
+              <a:cs typeface="Angsana New" panose="02020603050405020304" pitchFamily="18" charset="-34"/>
+            </a:endParaRPr>
+          </a:p>
+          <a:p>
+            <a:pPr algn="ctr"/>
+            <a:r>
+              <a:rPr lang="th-TH" dirty="0">
+                <a:ln w="10160">
+                  <a:solidFill>
+                    <a:srgbClr val="FF0000"/>
+                  </a:solidFill>
+                  <a:prstDash val="solid"/>
+                </a:ln>
+                <a:solidFill>
+                  <a:srgbClr val="FF0000"/>
+                </a:solidFill>
+                <a:effectLst/>
+                <a:latin typeface="Angsana New" panose="02020603050405020304" pitchFamily="18" charset="-34"/>
+                <a:cs typeface="Angsana New" panose="02020603050405020304" pitchFamily="18" charset="-34"/>
+              </a:rPr>
+              <a:t>และ</a:t>
+            </a:r>
+            <a:endParaRPr lang="en-US" dirty="0">
+              <a:ln w="10160">
+                <a:solidFill>
+                  <a:srgbClr val="FF0000"/>
+                </a:solidFill>
+                <a:prstDash val="solid"/>
+              </a:ln>
+              <a:solidFill>
+                <a:srgbClr val="FF0000"/>
+              </a:solidFill>
+              <a:effectLst/>
+              <a:latin typeface="Angsana New" panose="02020603050405020304" pitchFamily="18" charset="-34"/>
+              <a:cs typeface="Angsana New" panose="02020603050405020304" pitchFamily="18" charset="-34"/>
+            </a:endParaRPr>
+          </a:p>
+          <a:p>
+            <a:pPr algn="ctr"/>
+            <a:r>
+              <a:rPr lang="th-TH" dirty="0">
+                <a:ln w="10160">
+                  <a:solidFill>
+                    <a:srgbClr val="FF0000"/>
+                  </a:solidFill>
+                  <a:prstDash val="solid"/>
+                </a:ln>
+                <a:solidFill>
+                  <a:srgbClr val="FF0000"/>
+                </a:solidFill>
+                <a:effectLst/>
+                <a:latin typeface="Angsana New" panose="02020603050405020304" pitchFamily="18" charset="-34"/>
+                <a:cs typeface="Angsana New" panose="02020603050405020304" pitchFamily="18" charset="-34"/>
+              </a:rPr>
+              <a:t>เมียนมาร์</a:t>
+            </a:r>
+            <a:endParaRPr lang="en-US" dirty="0">
+              <a:ln w="10160">
+                <a:solidFill>
+                  <a:srgbClr val="FF0000"/>
+                </a:solidFill>
+                <a:prstDash val="solid"/>
+              </a:ln>
+              <a:solidFill>
+                <a:srgbClr val="FF0000"/>
+              </a:solidFill>
+              <a:effectLst/>
+              <a:latin typeface="Angsana New" panose="02020603050405020304" pitchFamily="18" charset="-34"/>
+              <a:cs typeface="Angsana New" panose="02020603050405020304" pitchFamily="18" charset="-34"/>
+            </a:endParaRPr>
+          </a:p>
+        </p:txBody>
+      </p:sp>
+      <p:sp>
+        <p:nvSpPr>
+          <p:cNvPr id="38" name="TextBox 37">
+            <a:extLst>
+              <a:ext uri="{FF2B5EF4-FFF2-40B4-BE49-F238E27FC236}">
+                <a16:creationId xmlns:a16="http://schemas.microsoft.com/office/drawing/2014/main" id="{5E1B59A0-D59F-431D-B19B-C90C2B72E2DD}"/>
+              </a:ext>
+            </a:extLst>
+          </p:cNvPr>
+          <p:cNvSpPr txBox="1"/>
+          <p:nvPr/>
+        </p:nvSpPr>
+        <p:spPr>
+          <a:xfrm>
+            <a:off x="10223374" y="3429000"/>
+            <a:ext cx="686406" cy="369332"/>
+          </a:xfrm>
+          <a:prstGeom prst="rect">
+            <a:avLst/>
+          </a:prstGeom>
+          <a:solidFill>
+            <a:schemeClr val="bg1">
+              <a:alpha val="70000"/>
+            </a:schemeClr>
+          </a:solidFill>
+        </p:spPr>
+        <p:txBody>
+          <a:bodyPr wrap="none" rtlCol="0">
+            <a:spAutoFit/>
+          </a:bodyPr>
+          <a:lstStyle/>
+          <a:p>
+            <a:pPr algn="ctr"/>
+            <a:r>
+              <a:rPr lang="th-TH" dirty="0">
+                <a:ln w="10160">
+                  <a:solidFill>
+                    <a:srgbClr val="FF0000"/>
+                  </a:solidFill>
+                  <a:prstDash val="solid"/>
+                </a:ln>
+                <a:solidFill>
+                  <a:srgbClr val="FF0000"/>
+                </a:solidFill>
+                <a:effectLst/>
+                <a:latin typeface="Angsana New" panose="02020603050405020304" pitchFamily="18" charset="-34"/>
+                <a:cs typeface="Angsana New" panose="02020603050405020304" pitchFamily="18" charset="-34"/>
+              </a:rPr>
+              <a:t>อ่าวไทย</a:t>
+            </a:r>
+            <a:endParaRPr lang="en-US" dirty="0">
+              <a:ln w="10160">
+                <a:solidFill>
+                  <a:srgbClr val="FF0000"/>
+                </a:solidFill>
+                <a:prstDash val="solid"/>
+              </a:ln>
+              <a:solidFill>
+                <a:srgbClr val="FF0000"/>
+              </a:solidFill>
+              <a:effectLst/>
+              <a:latin typeface="Angsana New" panose="02020603050405020304" pitchFamily="18" charset="-34"/>
+              <a:cs typeface="Angsana New" panose="02020603050405020304" pitchFamily="18" charset="-34"/>
+            </a:endParaRPr>
+          </a:p>
+        </p:txBody>
+      </p:sp>
+      <p:sp>
+        <p:nvSpPr>
+          <p:cNvPr id="39" name="TextBox 38">
+            <a:extLst>
+              <a:ext uri="{FF2B5EF4-FFF2-40B4-BE49-F238E27FC236}">
+                <a16:creationId xmlns:a16="http://schemas.microsoft.com/office/drawing/2014/main" id="{6A1F872E-8975-4F4D-9584-BB11F99EDC0F}"/>
+              </a:ext>
+            </a:extLst>
+          </p:cNvPr>
+          <p:cNvSpPr txBox="1"/>
+          <p:nvPr/>
+        </p:nvSpPr>
+        <p:spPr>
+          <a:xfrm>
+            <a:off x="8281433" y="6225795"/>
+            <a:ext cx="971741" cy="369332"/>
+          </a:xfrm>
+          <a:prstGeom prst="rect">
+            <a:avLst/>
+          </a:prstGeom>
+          <a:noFill/>
+        </p:spPr>
+        <p:txBody>
+          <a:bodyPr wrap="none" rtlCol="0">
+            <a:spAutoFit/>
+          </a:bodyPr>
+          <a:lstStyle/>
+          <a:p>
+            <a:pPr algn="ctr"/>
+            <a:r>
+              <a:rPr lang="th-TH" dirty="0">
+                <a:ln w="10160">
+                  <a:solidFill>
+                    <a:srgbClr val="FF0000"/>
+                  </a:solidFill>
+                  <a:prstDash val="solid"/>
+                </a:ln>
+                <a:solidFill>
+                  <a:srgbClr val="FF0000"/>
+                </a:solidFill>
+                <a:effectLst/>
+                <a:latin typeface="Angsana New" panose="02020603050405020304" pitchFamily="18" charset="-34"/>
+                <a:cs typeface="Angsana New" panose="02020603050405020304" pitchFamily="18" charset="-34"/>
+              </a:rPr>
+              <a:t>สุราษฎร์ธานี</a:t>
+            </a:r>
+            <a:endParaRPr lang="en-US" dirty="0">
+              <a:ln w="10160">
+                <a:solidFill>
+                  <a:srgbClr val="FF0000"/>
+                </a:solidFill>
+                <a:prstDash val="solid"/>
+              </a:ln>
+              <a:solidFill>
+                <a:srgbClr val="FF0000"/>
+              </a:solidFill>
+              <a:effectLst/>
+              <a:latin typeface="Angsana New" panose="02020603050405020304" pitchFamily="18" charset="-34"/>
+              <a:cs typeface="Angsana New" panose="02020603050405020304" pitchFamily="18" charset="-34"/>
+            </a:endParaRPr>
+          </a:p>
+        </p:txBody>
+      </p:sp>
+      <p:sp>
+        <p:nvSpPr>
+          <p:cNvPr id="40" name="TextBox 39">
+            <a:extLst>
+              <a:ext uri="{FF2B5EF4-FFF2-40B4-BE49-F238E27FC236}">
+                <a16:creationId xmlns:a16="http://schemas.microsoft.com/office/drawing/2014/main" id="{AC89395F-4F32-40B0-B660-5BDFF5558861}"/>
+              </a:ext>
+            </a:extLst>
+          </p:cNvPr>
+          <p:cNvSpPr txBox="1"/>
+          <p:nvPr/>
+        </p:nvSpPr>
+        <p:spPr>
+          <a:xfrm>
+            <a:off x="9321641" y="802432"/>
+            <a:ext cx="1184940" cy="369332"/>
+          </a:xfrm>
+          <a:prstGeom prst="rect">
+            <a:avLst/>
+          </a:prstGeom>
+          <a:noFill/>
+        </p:spPr>
+        <p:txBody>
+          <a:bodyPr wrap="none" rtlCol="0">
+            <a:spAutoFit/>
+          </a:bodyPr>
+          <a:lstStyle/>
+          <a:p>
+            <a:pPr algn="ctr"/>
+            <a:r>
+              <a:rPr lang="th-TH" b="1" dirty="0">
+                <a:ln w="10160">
+                  <a:solidFill>
+                    <a:srgbClr val="FF0000"/>
+                  </a:solidFill>
+                  <a:prstDash val="solid"/>
+                </a:ln>
+                <a:solidFill>
+                  <a:srgbClr val="FF0000"/>
+                </a:solidFill>
+                <a:effectLst/>
+                <a:latin typeface="Angsana New" panose="02020603050405020304" pitchFamily="18" charset="-34"/>
+                <a:cs typeface="Angsana New" panose="02020603050405020304" pitchFamily="18" charset="-34"/>
+              </a:rPr>
+              <a:t>ประจวบคีรีขันธ์</a:t>
+            </a:r>
+            <a:endParaRPr lang="en-US" b="1" dirty="0">
+              <a:ln w="10160">
+                <a:solidFill>
+                  <a:srgbClr val="FF0000"/>
+                </a:solidFill>
+                <a:prstDash val="solid"/>
+              </a:ln>
+              <a:solidFill>
+                <a:srgbClr val="FF0000"/>
+              </a:solidFill>
+              <a:effectLst/>
+              <a:latin typeface="Angsana New" panose="02020603050405020304" pitchFamily="18" charset="-34"/>
+              <a:cs typeface="Angsana New" panose="02020603050405020304" pitchFamily="18" charset="-34"/>
+            </a:endParaRPr>
+          </a:p>
+        </p:txBody>
+      </p:sp>
+      <p:sp>
+        <p:nvSpPr>
+          <p:cNvPr id="41" name="Oval 40">
+            <a:extLst>
+              <a:ext uri="{FF2B5EF4-FFF2-40B4-BE49-F238E27FC236}">
+                <a16:creationId xmlns:a16="http://schemas.microsoft.com/office/drawing/2014/main" id="{4941B121-DFEE-401D-A47B-04654E9E4D22}"/>
+              </a:ext>
+            </a:extLst>
+          </p:cNvPr>
+          <p:cNvSpPr/>
+          <p:nvPr/>
+        </p:nvSpPr>
+        <p:spPr>
+          <a:xfrm>
+            <a:off x="9859257" y="1822726"/>
+            <a:ext cx="584492" cy="369332"/>
+          </a:xfrm>
+          <a:prstGeom prst="ellipse">
+            <a:avLst/>
+          </a:prstGeom>
+          <a:solidFill>
+            <a:srgbClr val="F735E0"/>
+          </a:solidFill>
           <a:ln>
             <a:noFill/>
           </a:ln>
         </p:spPr>
         <p:style>
-          <a:lnRef idx="1">
-            <a:schemeClr val="accent6"/>
+          <a:lnRef idx="2">
+            <a:schemeClr val="accent1">
+              <a:shade val="50000"/>
+            </a:schemeClr>
           </a:lnRef>
-          <a:fillRef idx="2">
-            <a:schemeClr val="accent6"/>
+          <a:fillRef idx="1">
+            <a:schemeClr val="accent1"/>
           </a:fillRef>
-          <a:effectRef idx="1">
-            <a:schemeClr val="accent6"/>
+          <a:effectRef idx="0">
+            <a:schemeClr val="accent1"/>
           </a:effectRef>
           <a:fontRef idx="minor">
-            <a:schemeClr val="dk1"/>
+            <a:schemeClr val="lt1"/>
           </a:fontRef>
         </p:style>
         <p:txBody>
-          <a:bodyPr vert="horz" lIns="91440" tIns="45720" rIns="91440" bIns="182880" rtlCol="0" anchor="ctr">
-            <a:noAutofit/>
-          </a:bodyPr>
-          <a:lstStyle>
-            <a:lvl1pPr marL="228600" indent="-228600" algn="l" defTabSz="914400" rtl="0" eaLnBrk="1" latinLnBrk="0" hangingPunct="1">
-              <a:lnSpc>
-                <a:spcPct val="120000"/>
-              </a:lnSpc>
-              <a:spcBef>
-                <a:spcPts val="1000"/>
-              </a:spcBef>
-              <a:buSzPct val="125000"/>
-              <a:buFont typeface="Arial" panose="020B0604020202020204" pitchFamily="34" charset="0"/>
-              <a:buChar char="•"/>
-              <a:defRPr sz="2400" kern="1200">
-                <a:solidFill>
-                  <a:schemeClr val="tx1"/>
-                </a:solidFill>
-                <a:latin typeface="+mn-lt"/>
-                <a:ea typeface="+mn-ea"/>
-                <a:cs typeface="+mn-cs"/>
-              </a:defRPr>
-            </a:lvl1pPr>
-            <a:lvl2pPr marL="685800" indent="-228600" algn="l" defTabSz="914400" rtl="0" eaLnBrk="1" latinLnBrk="0" hangingPunct="1">
-              <a:lnSpc>
-                <a:spcPct val="120000"/>
-              </a:lnSpc>
-              <a:spcBef>
-                <a:spcPts val="500"/>
-              </a:spcBef>
-              <a:buSzPct val="125000"/>
-              <a:buFont typeface="Arial" panose="020B0604020202020204" pitchFamily="34" charset="0"/>
-              <a:buChar char="•"/>
-              <a:defRPr sz="2000" kern="1200">
-                <a:solidFill>
-                  <a:schemeClr val="tx1"/>
-                </a:solidFill>
-                <a:latin typeface="+mn-lt"/>
-                <a:ea typeface="+mn-ea"/>
-                <a:cs typeface="+mn-cs"/>
-              </a:defRPr>
-            </a:lvl2pPr>
-            <a:lvl3pPr marL="1143000" indent="-228600" algn="l" defTabSz="914400" rtl="0" eaLnBrk="1" latinLnBrk="0" hangingPunct="1">
-              <a:lnSpc>
-                <a:spcPct val="120000"/>
-              </a:lnSpc>
-              <a:spcBef>
-                <a:spcPts val="500"/>
-              </a:spcBef>
-              <a:buSzPct val="125000"/>
-              <a:buFont typeface="Arial" panose="020B0604020202020204" pitchFamily="34" charset="0"/>
-              <a:buChar char="•"/>
-              <a:defRPr sz="1800" kern="1200">
-                <a:solidFill>
-                  <a:schemeClr val="tx1"/>
-                </a:solidFill>
-                <a:latin typeface="+mn-lt"/>
-                <a:ea typeface="+mn-ea"/>
-                <a:cs typeface="+mn-cs"/>
-              </a:defRPr>
-            </a:lvl3pPr>
-            <a:lvl4pPr marL="1600200" indent="-228600" algn="l" defTabSz="914400" rtl="0" eaLnBrk="1" latinLnBrk="0" hangingPunct="1">
-              <a:lnSpc>
-                <a:spcPct val="120000"/>
-              </a:lnSpc>
-              <a:spcBef>
-                <a:spcPts val="500"/>
-              </a:spcBef>
-              <a:buSzPct val="125000"/>
-              <a:buFont typeface="Arial" panose="020B0604020202020204" pitchFamily="34" charset="0"/>
-              <a:buChar char="•"/>
-              <a:defRPr sz="1600" kern="1200">
-                <a:solidFill>
-                  <a:schemeClr val="tx1"/>
-                </a:solidFill>
-                <a:latin typeface="+mn-lt"/>
-                <a:ea typeface="+mn-ea"/>
-                <a:cs typeface="+mn-cs"/>
-              </a:defRPr>
-            </a:lvl4pPr>
-            <a:lvl5pPr marL="2057400" indent="-228600" algn="l" defTabSz="914400" rtl="0" eaLnBrk="1" latinLnBrk="0" hangingPunct="1">
-              <a:lnSpc>
-                <a:spcPct val="120000"/>
-              </a:lnSpc>
-              <a:spcBef>
-                <a:spcPts val="500"/>
-              </a:spcBef>
-              <a:buSzPct val="125000"/>
-              <a:buFont typeface="Arial" panose="020B0604020202020204" pitchFamily="34" charset="0"/>
-              <a:buChar char="•"/>
-              <a:defRPr sz="1600" kern="1200">
-                <a:solidFill>
-                  <a:schemeClr val="tx1"/>
-                </a:solidFill>
-                <a:latin typeface="+mn-lt"/>
-                <a:ea typeface="+mn-ea"/>
-                <a:cs typeface="+mn-cs"/>
-              </a:defRPr>
-            </a:lvl5pPr>
-            <a:lvl6pPr marL="2514600" indent="-228600" algn="l" defTabSz="914400" rtl="0" eaLnBrk="1" latinLnBrk="0" hangingPunct="1">
-              <a:lnSpc>
-                <a:spcPct val="120000"/>
-              </a:lnSpc>
-              <a:spcBef>
-                <a:spcPts val="500"/>
-              </a:spcBef>
-              <a:buSzPct val="125000"/>
-              <a:buFont typeface="Arial" panose="020B0604020202020204" pitchFamily="34" charset="0"/>
-              <a:buChar char="•"/>
-              <a:defRPr sz="1400" kern="1200">
-                <a:solidFill>
-                  <a:schemeClr val="tx1"/>
-                </a:solidFill>
-                <a:latin typeface="+mn-lt"/>
-                <a:ea typeface="+mn-ea"/>
-                <a:cs typeface="+mn-cs"/>
-              </a:defRPr>
-            </a:lvl6pPr>
-            <a:lvl7pPr marL="2971800" indent="-228600" algn="l" defTabSz="914400" rtl="0" eaLnBrk="1" latinLnBrk="0" hangingPunct="1">
-              <a:lnSpc>
-                <a:spcPct val="120000"/>
-              </a:lnSpc>
-              <a:spcBef>
-                <a:spcPts val="500"/>
-              </a:spcBef>
-              <a:buSzPct val="125000"/>
-              <a:buFont typeface="Arial" panose="020B0604020202020204" pitchFamily="34" charset="0"/>
-              <a:buChar char="•"/>
-              <a:defRPr sz="1400" kern="1200">
-                <a:solidFill>
-                  <a:schemeClr val="tx1"/>
-                </a:solidFill>
-                <a:latin typeface="+mn-lt"/>
-                <a:ea typeface="+mn-ea"/>
-                <a:cs typeface="+mn-cs"/>
-              </a:defRPr>
-            </a:lvl7pPr>
-            <a:lvl8pPr marL="3429000" indent="-228600" algn="l" defTabSz="914400" rtl="0" eaLnBrk="1" latinLnBrk="0" hangingPunct="1">
-              <a:lnSpc>
-                <a:spcPct val="120000"/>
-              </a:lnSpc>
-              <a:spcBef>
-                <a:spcPts val="500"/>
-              </a:spcBef>
-              <a:buSzPct val="125000"/>
-              <a:buFont typeface="Arial" panose="020B0604020202020204" pitchFamily="34" charset="0"/>
-              <a:buChar char="•"/>
-              <a:defRPr sz="1400" kern="1200">
-                <a:solidFill>
-                  <a:schemeClr val="tx1"/>
-                </a:solidFill>
-                <a:latin typeface="+mn-lt"/>
-                <a:ea typeface="+mn-ea"/>
-                <a:cs typeface="+mn-cs"/>
-              </a:defRPr>
-            </a:lvl8pPr>
-            <a:lvl9pPr marL="3886200" indent="-228600" algn="l" defTabSz="914400" rtl="0" eaLnBrk="1" latinLnBrk="0" hangingPunct="1">
-              <a:lnSpc>
-                <a:spcPct val="120000"/>
-              </a:lnSpc>
-              <a:spcBef>
-                <a:spcPts val="500"/>
-              </a:spcBef>
-              <a:buSzPct val="125000"/>
-              <a:buFont typeface="Arial" panose="020B0604020202020204" pitchFamily="34" charset="0"/>
-              <a:buChar char="•"/>
-              <a:defRPr sz="1400" kern="1200">
-                <a:solidFill>
-                  <a:schemeClr val="tx1"/>
-                </a:solidFill>
-                <a:latin typeface="+mn-lt"/>
-                <a:ea typeface="+mn-ea"/>
-                <a:cs typeface="+mn-cs"/>
-              </a:defRPr>
-            </a:lvl9pPr>
-          </a:lstStyle>
-          <a:p>
-            <a:pPr marL="0" indent="0" algn="ctr">
-              <a:buNone/>
-            </a:pPr>
+          <a:bodyPr rtlCol="0" anchor="ctr"/>
+          <a:lstStyle/>
+          <a:p>
+            <a:pPr algn="ctr"/>
             <a:r>
-              <a:rPr lang="th-TH" sz="2800" dirty="0">
-                <a:ln>
-                  <a:solidFill>
-                    <a:schemeClr val="bg1"/>
-                  </a:solidFill>
-                </a:ln>
-                <a:solidFill>
-                  <a:schemeClr val="bg1"/>
-                </a:solidFill>
+              <a:rPr lang="en-US" sz="2400" b="1" dirty="0">
                 <a:effectLst>
-                  <a:glow rad="63500">
-                    <a:srgbClr val="0070C0">
-                      <a:alpha val="40000"/>
-                    </a:srgbClr>
-                  </a:glow>
                   <a:outerShdw blurRad="38100" dist="38100" dir="2700000" algn="tl">
                     <a:srgbClr val="000000">
                       <a:alpha val="43137"/>
                     </a:srgbClr>
                   </a:outerShdw>
                 </a:effectLst>
-                <a:latin typeface="CordiaUPC" pitchFamily="34" charset="-34"/>
-                <a:cs typeface="+mj-cs"/>
+                <a:latin typeface="Angsana New" panose="02020603050405020304" pitchFamily="18" charset="-34"/>
+                <a:cs typeface="Angsana New" panose="02020603050405020304" pitchFamily="18" charset="-34"/>
               </a:rPr>
-              <a:t>สำนักงานสาธารณสุขจังหวัดชุมพร      วิสัยทัศน์       “องค์กรหลักด้านสุขภาพ ที่รวมพลังสังคม สู่ชุมพรเมืองสุขภาวะ”</a:t>
+              <a:t>F2</a:t>
             </a:r>
-            <a:endParaRPr lang="en-US" sz="2800" b="1" dirty="0">
-              <a:ln>
-                <a:solidFill>
-                  <a:schemeClr val="bg1"/>
-                </a:solidFill>
-              </a:ln>
-              <a:solidFill>
-                <a:schemeClr val="bg1"/>
-              </a:solidFill>
-              <a:effectLst>
-                <a:glow rad="63500">
-                  <a:srgbClr val="0070C0">
-                    <a:alpha val="40000"/>
-                  </a:srgbClr>
-                </a:glow>
-                <a:outerShdw blurRad="38100" dist="38100" dir="2700000" algn="tl">
-                  <a:srgbClr val="000000">
-                    <a:alpha val="43137"/>
-                  </a:srgbClr>
-                </a:outerShdw>
-              </a:effectLst>
-              <a:cs typeface="+mj-cs"/>
-            </a:endParaRPr>
           </a:p>
         </p:txBody>
       </p:sp>
       <p:sp>
         <p:nvSpPr>
-          <p:cNvPr id="29" name="Subtitle 2">
+          <p:cNvPr id="43" name="Oval 42">
             <a:extLst>
               <a:ext uri="{FF2B5EF4-FFF2-40B4-BE49-F238E27FC236}">
-                <a16:creationId xmlns:a16="http://schemas.microsoft.com/office/drawing/2014/main" id="{41D216A3-A028-4A37-8420-1BCD04055E6B}"/>
+                <a16:creationId xmlns:a16="http://schemas.microsoft.com/office/drawing/2014/main" id="{08CFC80F-6636-40BA-9B7F-AC8BD9B0DCD9}"/>
+              </a:ext>
+            </a:extLst>
+          </p:cNvPr>
+          <p:cNvSpPr/>
+          <p:nvPr/>
+        </p:nvSpPr>
+        <p:spPr>
+          <a:xfrm>
+            <a:off x="8566499" y="3093785"/>
+            <a:ext cx="508730" cy="369332"/>
+          </a:xfrm>
+          <a:prstGeom prst="ellipse">
+            <a:avLst/>
+          </a:prstGeom>
+          <a:solidFill>
+            <a:srgbClr val="FF0000"/>
+          </a:solidFill>
+          <a:ln>
+            <a:noFill/>
+          </a:ln>
+        </p:spPr>
+        <p:style>
+          <a:lnRef idx="2">
+            <a:schemeClr val="accent1">
+              <a:shade val="50000"/>
+            </a:schemeClr>
+          </a:lnRef>
+          <a:fillRef idx="1">
+            <a:schemeClr val="accent1"/>
+          </a:fillRef>
+          <a:effectRef idx="0">
+            <a:schemeClr val="accent1"/>
+          </a:effectRef>
+          <a:fontRef idx="minor">
+            <a:schemeClr val="lt1"/>
+          </a:fontRef>
+        </p:style>
+        <p:txBody>
+          <a:bodyPr rtlCol="0" anchor="ctr"/>
+          <a:lstStyle/>
+          <a:p>
+            <a:pPr algn="ctr"/>
+            <a:r>
+              <a:rPr lang="en-US" sz="2800" b="1" dirty="0">
+                <a:effectLst>
+                  <a:outerShdw blurRad="38100" dist="38100" dir="2700000" algn="tl">
+                    <a:srgbClr val="000000">
+                      <a:alpha val="43137"/>
+                    </a:srgbClr>
+                  </a:outerShdw>
+                </a:effectLst>
+                <a:latin typeface="Angsana New" panose="02020603050405020304" pitchFamily="18" charset="-34"/>
+                <a:cs typeface="Angsana New" panose="02020603050405020304" pitchFamily="18" charset="-34"/>
+              </a:rPr>
+              <a:t>S</a:t>
+            </a:r>
+          </a:p>
+        </p:txBody>
+      </p:sp>
+      <p:sp>
+        <p:nvSpPr>
+          <p:cNvPr id="46" name="Oval 45">
+            <a:extLst>
+              <a:ext uri="{FF2B5EF4-FFF2-40B4-BE49-F238E27FC236}">
+                <a16:creationId xmlns:a16="http://schemas.microsoft.com/office/drawing/2014/main" id="{C3C3A02D-4DFC-495B-BA3B-241B6A6E1C38}"/>
+              </a:ext>
+            </a:extLst>
+          </p:cNvPr>
+          <p:cNvSpPr/>
+          <p:nvPr/>
+        </p:nvSpPr>
+        <p:spPr>
+          <a:xfrm>
+            <a:off x="9066136" y="3244067"/>
+            <a:ext cx="578111" cy="369332"/>
+          </a:xfrm>
+          <a:prstGeom prst="ellipse">
+            <a:avLst/>
+          </a:prstGeom>
+          <a:solidFill>
+            <a:srgbClr val="4BACC6"/>
+          </a:solidFill>
+          <a:ln>
+            <a:noFill/>
+          </a:ln>
+        </p:spPr>
+        <p:style>
+          <a:lnRef idx="2">
+            <a:schemeClr val="accent1">
+              <a:shade val="50000"/>
+            </a:schemeClr>
+          </a:lnRef>
+          <a:fillRef idx="1">
+            <a:schemeClr val="accent1"/>
+          </a:fillRef>
+          <a:effectRef idx="0">
+            <a:schemeClr val="accent1"/>
+          </a:effectRef>
+          <a:fontRef idx="minor">
+            <a:schemeClr val="lt1"/>
+          </a:fontRef>
+        </p:style>
+        <p:txBody>
+          <a:bodyPr rtlCol="0" anchor="ctr"/>
+          <a:lstStyle/>
+          <a:p>
+            <a:pPr algn="ctr"/>
+            <a:r>
+              <a:rPr lang="en-US" sz="2400" b="1" dirty="0">
+                <a:effectLst>
+                  <a:outerShdw blurRad="38100" dist="38100" dir="2700000" algn="tl">
+                    <a:srgbClr val="000000">
+                      <a:alpha val="43137"/>
+                    </a:srgbClr>
+                  </a:outerShdw>
+                </a:effectLst>
+                <a:latin typeface="Angsana New" panose="02020603050405020304" pitchFamily="18" charset="-34"/>
+                <a:cs typeface="Angsana New" panose="02020603050405020304" pitchFamily="18" charset="-34"/>
+              </a:rPr>
+              <a:t>F3</a:t>
+            </a:r>
+          </a:p>
+        </p:txBody>
+      </p:sp>
+      <p:sp>
+        <p:nvSpPr>
+          <p:cNvPr id="47" name="Oval 46">
+            <a:extLst>
+              <a:ext uri="{FF2B5EF4-FFF2-40B4-BE49-F238E27FC236}">
+                <a16:creationId xmlns:a16="http://schemas.microsoft.com/office/drawing/2014/main" id="{FD4E4830-2460-49A2-9DA0-6DB6C229988D}"/>
+              </a:ext>
+            </a:extLst>
+          </p:cNvPr>
+          <p:cNvSpPr/>
+          <p:nvPr/>
+        </p:nvSpPr>
+        <p:spPr>
+          <a:xfrm>
+            <a:off x="9807617" y="1448226"/>
+            <a:ext cx="578111" cy="369332"/>
+          </a:xfrm>
+          <a:prstGeom prst="ellipse">
+            <a:avLst/>
+          </a:prstGeom>
+          <a:solidFill>
+            <a:srgbClr val="4BACC6"/>
+          </a:solidFill>
+          <a:ln>
+            <a:noFill/>
+          </a:ln>
+        </p:spPr>
+        <p:style>
+          <a:lnRef idx="2">
+            <a:schemeClr val="accent1">
+              <a:shade val="50000"/>
+            </a:schemeClr>
+          </a:lnRef>
+          <a:fillRef idx="1">
+            <a:schemeClr val="accent1"/>
+          </a:fillRef>
+          <a:effectRef idx="0">
+            <a:schemeClr val="accent1"/>
+          </a:effectRef>
+          <a:fontRef idx="minor">
+            <a:schemeClr val="lt1"/>
+          </a:fontRef>
+        </p:style>
+        <p:txBody>
+          <a:bodyPr rtlCol="0" anchor="ctr"/>
+          <a:lstStyle/>
+          <a:p>
+            <a:pPr algn="ctr"/>
+            <a:r>
+              <a:rPr lang="en-US" sz="2400" b="1" dirty="0">
+                <a:effectLst>
+                  <a:outerShdw blurRad="38100" dist="38100" dir="2700000" algn="tl">
+                    <a:srgbClr val="000000">
+                      <a:alpha val="43137"/>
+                    </a:srgbClr>
+                  </a:outerShdw>
+                </a:effectLst>
+                <a:latin typeface="Angsana New" panose="02020603050405020304" pitchFamily="18" charset="-34"/>
+                <a:cs typeface="Angsana New" panose="02020603050405020304" pitchFamily="18" charset="-34"/>
+              </a:rPr>
+              <a:t>F3</a:t>
+            </a:r>
+          </a:p>
+        </p:txBody>
+      </p:sp>
+      <p:sp>
+        <p:nvSpPr>
+          <p:cNvPr id="48" name="Oval 47">
+            <a:extLst>
+              <a:ext uri="{FF2B5EF4-FFF2-40B4-BE49-F238E27FC236}">
+                <a16:creationId xmlns:a16="http://schemas.microsoft.com/office/drawing/2014/main" id="{E941503E-5F52-4B15-9964-F13C1E788070}"/>
+              </a:ext>
+            </a:extLst>
+          </p:cNvPr>
+          <p:cNvSpPr/>
+          <p:nvPr/>
+        </p:nvSpPr>
+        <p:spPr>
+          <a:xfrm>
+            <a:off x="8879348" y="1798774"/>
+            <a:ext cx="584492" cy="369332"/>
+          </a:xfrm>
+          <a:prstGeom prst="ellipse">
+            <a:avLst/>
+          </a:prstGeom>
+          <a:solidFill>
+            <a:srgbClr val="F735E0"/>
+          </a:solidFill>
+          <a:ln>
+            <a:noFill/>
+          </a:ln>
+        </p:spPr>
+        <p:style>
+          <a:lnRef idx="2">
+            <a:schemeClr val="accent1">
+              <a:shade val="50000"/>
+            </a:schemeClr>
+          </a:lnRef>
+          <a:fillRef idx="1">
+            <a:schemeClr val="accent1"/>
+          </a:fillRef>
+          <a:effectRef idx="0">
+            <a:schemeClr val="accent1"/>
+          </a:effectRef>
+          <a:fontRef idx="minor">
+            <a:schemeClr val="lt1"/>
+          </a:fontRef>
+        </p:style>
+        <p:txBody>
+          <a:bodyPr rtlCol="0" anchor="ctr"/>
+          <a:lstStyle/>
+          <a:p>
+            <a:pPr algn="ctr"/>
+            <a:r>
+              <a:rPr lang="en-US" sz="2400" b="1" dirty="0">
+                <a:effectLst>
+                  <a:outerShdw blurRad="38100" dist="38100" dir="2700000" algn="tl">
+                    <a:srgbClr val="000000">
+                      <a:alpha val="43137"/>
+                    </a:srgbClr>
+                  </a:outerShdw>
+                </a:effectLst>
+                <a:latin typeface="Angsana New" panose="02020603050405020304" pitchFamily="18" charset="-34"/>
+                <a:cs typeface="Angsana New" panose="02020603050405020304" pitchFamily="18" charset="-34"/>
+              </a:rPr>
+              <a:t>F2</a:t>
+            </a:r>
+          </a:p>
+        </p:txBody>
+      </p:sp>
+      <p:sp>
+        <p:nvSpPr>
+          <p:cNvPr id="49" name="Oval 48">
+            <a:extLst>
+              <a:ext uri="{FF2B5EF4-FFF2-40B4-BE49-F238E27FC236}">
+                <a16:creationId xmlns:a16="http://schemas.microsoft.com/office/drawing/2014/main" id="{17DC9997-A275-43C1-8E2A-5EA35FEDE9A7}"/>
+              </a:ext>
+            </a:extLst>
+          </p:cNvPr>
+          <p:cNvSpPr/>
+          <p:nvPr/>
+        </p:nvSpPr>
+        <p:spPr>
+          <a:xfrm>
+            <a:off x="8564484" y="3844020"/>
+            <a:ext cx="584492" cy="369332"/>
+          </a:xfrm>
+          <a:prstGeom prst="ellipse">
+            <a:avLst/>
+          </a:prstGeom>
+          <a:solidFill>
+            <a:srgbClr val="F735E0"/>
+          </a:solidFill>
+          <a:ln>
+            <a:noFill/>
+          </a:ln>
+        </p:spPr>
+        <p:style>
+          <a:lnRef idx="2">
+            <a:schemeClr val="accent1">
+              <a:shade val="50000"/>
+            </a:schemeClr>
+          </a:lnRef>
+          <a:fillRef idx="1">
+            <a:schemeClr val="accent1"/>
+          </a:fillRef>
+          <a:effectRef idx="0">
+            <a:schemeClr val="accent1"/>
+          </a:effectRef>
+          <a:fontRef idx="minor">
+            <a:schemeClr val="lt1"/>
+          </a:fontRef>
+        </p:style>
+        <p:txBody>
+          <a:bodyPr rtlCol="0" anchor="ctr"/>
+          <a:lstStyle/>
+          <a:p>
+            <a:pPr algn="ctr"/>
+            <a:r>
+              <a:rPr lang="en-US" sz="2400" b="1" dirty="0">
+                <a:effectLst>
+                  <a:outerShdw blurRad="38100" dist="38100" dir="2700000" algn="tl">
+                    <a:srgbClr val="000000">
+                      <a:alpha val="43137"/>
+                    </a:srgbClr>
+                  </a:outerShdw>
+                </a:effectLst>
+                <a:latin typeface="Angsana New" panose="02020603050405020304" pitchFamily="18" charset="-34"/>
+                <a:cs typeface="Angsana New" panose="02020603050405020304" pitchFamily="18" charset="-34"/>
+              </a:rPr>
+              <a:t>F2</a:t>
+            </a:r>
+          </a:p>
+        </p:txBody>
+      </p:sp>
+      <p:sp>
+        <p:nvSpPr>
+          <p:cNvPr id="50" name="Oval 49">
+            <a:extLst>
+              <a:ext uri="{FF2B5EF4-FFF2-40B4-BE49-F238E27FC236}">
+                <a16:creationId xmlns:a16="http://schemas.microsoft.com/office/drawing/2014/main" id="{26A1BAB3-92F4-4398-8529-054F509D6BA6}"/>
+              </a:ext>
+            </a:extLst>
+          </p:cNvPr>
+          <p:cNvSpPr/>
+          <p:nvPr/>
+        </p:nvSpPr>
+        <p:spPr>
+          <a:xfrm>
+            <a:off x="8693119" y="4448381"/>
+            <a:ext cx="578111" cy="369332"/>
+          </a:xfrm>
+          <a:prstGeom prst="ellipse">
+            <a:avLst/>
+          </a:prstGeom>
+          <a:solidFill>
+            <a:srgbClr val="4BACC6"/>
+          </a:solidFill>
+          <a:ln>
+            <a:noFill/>
+          </a:ln>
+        </p:spPr>
+        <p:style>
+          <a:lnRef idx="2">
+            <a:schemeClr val="accent1">
+              <a:shade val="50000"/>
+            </a:schemeClr>
+          </a:lnRef>
+          <a:fillRef idx="1">
+            <a:schemeClr val="accent1"/>
+          </a:fillRef>
+          <a:effectRef idx="0">
+            <a:schemeClr val="accent1"/>
+          </a:effectRef>
+          <a:fontRef idx="minor">
+            <a:schemeClr val="lt1"/>
+          </a:fontRef>
+        </p:style>
+        <p:txBody>
+          <a:bodyPr rtlCol="0" anchor="ctr"/>
+          <a:lstStyle/>
+          <a:p>
+            <a:pPr algn="ctr"/>
+            <a:r>
+              <a:rPr lang="en-US" sz="2400" b="1" dirty="0">
+                <a:effectLst>
+                  <a:outerShdw blurRad="38100" dist="38100" dir="2700000" algn="tl">
+                    <a:srgbClr val="000000">
+                      <a:alpha val="43137"/>
+                    </a:srgbClr>
+                  </a:outerShdw>
+                </a:effectLst>
+                <a:latin typeface="Angsana New" panose="02020603050405020304" pitchFamily="18" charset="-34"/>
+                <a:cs typeface="Angsana New" panose="02020603050405020304" pitchFamily="18" charset="-34"/>
+              </a:rPr>
+              <a:t>F3</a:t>
+            </a:r>
+          </a:p>
+        </p:txBody>
+      </p:sp>
+      <p:sp>
+        <p:nvSpPr>
+          <p:cNvPr id="51" name="Oval 50">
+            <a:extLst>
+              <a:ext uri="{FF2B5EF4-FFF2-40B4-BE49-F238E27FC236}">
+                <a16:creationId xmlns:a16="http://schemas.microsoft.com/office/drawing/2014/main" id="{E3665FD4-F559-4FD8-8FA8-1F261697F578}"/>
+              </a:ext>
+            </a:extLst>
+          </p:cNvPr>
+          <p:cNvSpPr/>
+          <p:nvPr/>
+        </p:nvSpPr>
+        <p:spPr>
+          <a:xfrm>
+            <a:off x="8404642" y="5063273"/>
+            <a:ext cx="683773" cy="369332"/>
+          </a:xfrm>
+          <a:prstGeom prst="ellipse">
+            <a:avLst/>
+          </a:prstGeom>
+          <a:solidFill>
+            <a:srgbClr val="FFC000"/>
+          </a:solidFill>
+          <a:ln>
+            <a:noFill/>
+          </a:ln>
+        </p:spPr>
+        <p:style>
+          <a:lnRef idx="2">
+            <a:schemeClr val="accent1">
+              <a:shade val="50000"/>
+            </a:schemeClr>
+          </a:lnRef>
+          <a:fillRef idx="1">
+            <a:schemeClr val="accent1"/>
+          </a:fillRef>
+          <a:effectRef idx="0">
+            <a:schemeClr val="accent1"/>
+          </a:effectRef>
+          <a:fontRef idx="minor">
+            <a:schemeClr val="lt1"/>
+          </a:fontRef>
+        </p:style>
+        <p:txBody>
+          <a:bodyPr rtlCol="0" anchor="ctr"/>
+          <a:lstStyle/>
+          <a:p>
+            <a:pPr algn="ctr"/>
+            <a:r>
+              <a:rPr lang="en-US" sz="2400" b="1" dirty="0">
+                <a:effectLst>
+                  <a:outerShdw blurRad="38100" dist="38100" dir="2700000" algn="tl">
+                    <a:srgbClr val="000000">
+                      <a:alpha val="43137"/>
+                    </a:srgbClr>
+                  </a:outerShdw>
+                </a:effectLst>
+                <a:latin typeface="Angsana New" panose="02020603050405020304" pitchFamily="18" charset="-34"/>
+                <a:cs typeface="Angsana New" panose="02020603050405020304" pitchFamily="18" charset="-34"/>
+              </a:rPr>
+              <a:t>M2</a:t>
+            </a:r>
+          </a:p>
+        </p:txBody>
+      </p:sp>
+      <p:sp>
+        <p:nvSpPr>
+          <p:cNvPr id="52" name="Oval 51">
+            <a:extLst>
+              <a:ext uri="{FF2B5EF4-FFF2-40B4-BE49-F238E27FC236}">
+                <a16:creationId xmlns:a16="http://schemas.microsoft.com/office/drawing/2014/main" id="{87EFF567-E37F-4397-B589-EB12A6484B34}"/>
+              </a:ext>
+            </a:extLst>
+          </p:cNvPr>
+          <p:cNvSpPr/>
+          <p:nvPr/>
+        </p:nvSpPr>
+        <p:spPr>
+          <a:xfrm>
+            <a:off x="9008529" y="5267866"/>
+            <a:ext cx="578111" cy="369332"/>
+          </a:xfrm>
+          <a:prstGeom prst="ellipse">
+            <a:avLst/>
+          </a:prstGeom>
+          <a:solidFill>
+            <a:srgbClr val="4BACC6"/>
+          </a:solidFill>
+          <a:ln>
+            <a:noFill/>
+          </a:ln>
+        </p:spPr>
+        <p:style>
+          <a:lnRef idx="2">
+            <a:schemeClr val="accent1">
+              <a:shade val="50000"/>
+            </a:schemeClr>
+          </a:lnRef>
+          <a:fillRef idx="1">
+            <a:schemeClr val="accent1"/>
+          </a:fillRef>
+          <a:effectRef idx="0">
+            <a:schemeClr val="accent1"/>
+          </a:effectRef>
+          <a:fontRef idx="minor">
+            <a:schemeClr val="lt1"/>
+          </a:fontRef>
+        </p:style>
+        <p:txBody>
+          <a:bodyPr rtlCol="0" anchor="ctr"/>
+          <a:lstStyle/>
+          <a:p>
+            <a:pPr algn="ctr"/>
+            <a:r>
+              <a:rPr lang="en-US" sz="2400" b="1" dirty="0">
+                <a:effectLst>
+                  <a:outerShdw blurRad="38100" dist="38100" dir="2700000" algn="tl">
+                    <a:srgbClr val="000000">
+                      <a:alpha val="43137"/>
+                    </a:srgbClr>
+                  </a:outerShdw>
+                </a:effectLst>
+                <a:latin typeface="Angsana New" panose="02020603050405020304" pitchFamily="18" charset="-34"/>
+                <a:cs typeface="Angsana New" panose="02020603050405020304" pitchFamily="18" charset="-34"/>
+              </a:rPr>
+              <a:t>F3</a:t>
+            </a:r>
+          </a:p>
+        </p:txBody>
+      </p:sp>
+      <p:sp>
+        <p:nvSpPr>
+          <p:cNvPr id="53" name="Oval 52">
+            <a:extLst>
+              <a:ext uri="{FF2B5EF4-FFF2-40B4-BE49-F238E27FC236}">
+                <a16:creationId xmlns:a16="http://schemas.microsoft.com/office/drawing/2014/main" id="{AC683E7C-F058-4EC8-8BA3-5BDCB9D0CC93}"/>
+              </a:ext>
+            </a:extLst>
+          </p:cNvPr>
+          <p:cNvSpPr/>
+          <p:nvPr/>
+        </p:nvSpPr>
+        <p:spPr>
+          <a:xfrm>
+            <a:off x="8511953" y="5782009"/>
+            <a:ext cx="584492" cy="369332"/>
+          </a:xfrm>
+          <a:prstGeom prst="ellipse">
+            <a:avLst/>
+          </a:prstGeom>
+          <a:solidFill>
+            <a:srgbClr val="F735E0"/>
+          </a:solidFill>
+          <a:ln>
+            <a:noFill/>
+          </a:ln>
+        </p:spPr>
+        <p:style>
+          <a:lnRef idx="2">
+            <a:schemeClr val="accent1">
+              <a:shade val="50000"/>
+            </a:schemeClr>
+          </a:lnRef>
+          <a:fillRef idx="1">
+            <a:schemeClr val="accent1"/>
+          </a:fillRef>
+          <a:effectRef idx="0">
+            <a:schemeClr val="accent1"/>
+          </a:effectRef>
+          <a:fontRef idx="minor">
+            <a:schemeClr val="lt1"/>
+          </a:fontRef>
+        </p:style>
+        <p:txBody>
+          <a:bodyPr rtlCol="0" anchor="ctr"/>
+          <a:lstStyle/>
+          <a:p>
+            <a:pPr algn="ctr"/>
+            <a:r>
+              <a:rPr lang="en-US" sz="2400" b="1" dirty="0">
+                <a:effectLst>
+                  <a:outerShdw blurRad="38100" dist="38100" dir="2700000" algn="tl">
+                    <a:srgbClr val="000000">
+                      <a:alpha val="43137"/>
+                    </a:srgbClr>
+                  </a:outerShdw>
+                </a:effectLst>
+                <a:latin typeface="Angsana New" panose="02020603050405020304" pitchFamily="18" charset="-34"/>
+                <a:cs typeface="Angsana New" panose="02020603050405020304" pitchFamily="18" charset="-34"/>
+              </a:rPr>
+              <a:t>F2</a:t>
+            </a:r>
+          </a:p>
+        </p:txBody>
+      </p:sp>
+      <p:sp>
+        <p:nvSpPr>
+          <p:cNvPr id="54" name="Oval 53">
+            <a:extLst>
+              <a:ext uri="{FF2B5EF4-FFF2-40B4-BE49-F238E27FC236}">
+                <a16:creationId xmlns:a16="http://schemas.microsoft.com/office/drawing/2014/main" id="{CA414EEE-E811-4A0E-9916-FEF226ECDBD8}"/>
+              </a:ext>
+            </a:extLst>
+          </p:cNvPr>
+          <p:cNvSpPr/>
+          <p:nvPr/>
+        </p:nvSpPr>
+        <p:spPr>
+          <a:xfrm>
+            <a:off x="7680806" y="5666774"/>
+            <a:ext cx="584492" cy="369332"/>
+          </a:xfrm>
+          <a:prstGeom prst="ellipse">
+            <a:avLst/>
+          </a:prstGeom>
+          <a:solidFill>
+            <a:srgbClr val="F735E0"/>
+          </a:solidFill>
+          <a:ln>
+            <a:noFill/>
+          </a:ln>
+        </p:spPr>
+        <p:style>
+          <a:lnRef idx="2">
+            <a:schemeClr val="accent1">
+              <a:shade val="50000"/>
+            </a:schemeClr>
+          </a:lnRef>
+          <a:fillRef idx="1">
+            <a:schemeClr val="accent1"/>
+          </a:fillRef>
+          <a:effectRef idx="0">
+            <a:schemeClr val="accent1"/>
+          </a:effectRef>
+          <a:fontRef idx="minor">
+            <a:schemeClr val="lt1"/>
+          </a:fontRef>
+        </p:style>
+        <p:txBody>
+          <a:bodyPr rtlCol="0" anchor="ctr"/>
+          <a:lstStyle/>
+          <a:p>
+            <a:pPr algn="ctr"/>
+            <a:r>
+              <a:rPr lang="en-US" sz="2400" b="1" dirty="0">
+                <a:effectLst>
+                  <a:outerShdw blurRad="38100" dist="38100" dir="2700000" algn="tl">
+                    <a:srgbClr val="000000">
+                      <a:alpha val="43137"/>
+                    </a:srgbClr>
+                  </a:outerShdw>
+                </a:effectLst>
+                <a:latin typeface="Angsana New" panose="02020603050405020304" pitchFamily="18" charset="-34"/>
+                <a:cs typeface="Angsana New" panose="02020603050405020304" pitchFamily="18" charset="-34"/>
+              </a:rPr>
+              <a:t>F2</a:t>
+            </a:r>
+          </a:p>
+        </p:txBody>
+      </p:sp>
+      <p:sp>
+        <p:nvSpPr>
+          <p:cNvPr id="42" name="Subtitle 2">
+            <a:extLst>
+              <a:ext uri="{FF2B5EF4-FFF2-40B4-BE49-F238E27FC236}">
+                <a16:creationId xmlns:a16="http://schemas.microsoft.com/office/drawing/2014/main" id="{A21ABC4B-3D7F-4736-BB04-DCF86989D82C}"/>
               </a:ext>
             </a:extLst>
           </p:cNvPr>
@@ -10860,7 +12020,7 @@
         <p:spPr>
           <a:xfrm>
             <a:off x="4047" y="-60412"/>
-            <a:ext cx="12200192" cy="853513"/>
+            <a:ext cx="12200192" cy="1189416"/>
           </a:xfrm>
           <a:prstGeom prst="rect">
             <a:avLst/>
@@ -10868,13 +12028,13 @@
           <a:gradFill>
             <a:gsLst>
               <a:gs pos="0">
-                <a:srgbClr val="0070C0"/>
+                <a:srgbClr val="92FF70"/>
               </a:gs>
               <a:gs pos="50000">
-                <a:srgbClr val="00B0F0"/>
+                <a:srgbClr val="C2FFB0"/>
               </a:gs>
               <a:gs pos="100000">
-                <a:srgbClr val="0070C0"/>
+                <a:srgbClr val="93FF73"/>
               </a:gs>
             </a:gsLst>
           </a:gradFill>
@@ -11077,32 +12237,6 @@
             <a:pPr marL="0" indent="0" algn="ctr">
               <a:buNone/>
             </a:pPr>
-            <a:r>
-              <a:rPr lang="th-TH" sz="4000" b="1" dirty="0">
-                <a:ln>
-                  <a:solidFill>
-                    <a:schemeClr val="bg1"/>
-                  </a:solidFill>
-                </a:ln>
-                <a:solidFill>
-                  <a:schemeClr val="bg1"/>
-                </a:solidFill>
-                <a:effectLst>
-                  <a:glow rad="63500">
-                    <a:srgbClr val="002060">
-                      <a:alpha val="40000"/>
-                    </a:srgbClr>
-                  </a:glow>
-                  <a:outerShdw blurRad="38100" dist="38100" dir="2700000" algn="tl">
-                    <a:srgbClr val="000000">
-                      <a:alpha val="43137"/>
-                    </a:srgbClr>
-                  </a:outerShdw>
-                </a:effectLst>
-                <a:cs typeface="+mj-cs"/>
-              </a:rPr>
-              <a:t>ทรัพยากรสาธารณสุข</a:t>
-            </a:r>
             <a:endParaRPr lang="en-US" sz="4000" b="1" dirty="0">
               <a:ln>
                 <a:solidFill>
@@ -11129,12 +12263,296 @@
           </a:p>
         </p:txBody>
       </p:sp>
+      <p:sp>
+        <p:nvSpPr>
+          <p:cNvPr id="44" name="Subtitle 2">
+            <a:extLst>
+              <a:ext uri="{FF2B5EF4-FFF2-40B4-BE49-F238E27FC236}">
+                <a16:creationId xmlns:a16="http://schemas.microsoft.com/office/drawing/2014/main" id="{BF256248-88E3-436F-88C3-8CAFF85C985D}"/>
+              </a:ext>
+            </a:extLst>
+          </p:cNvPr>
+          <p:cNvSpPr txBox="1">
+            <a:spLocks/>
+          </p:cNvSpPr>
+          <p:nvPr/>
+        </p:nvSpPr>
+        <p:spPr>
+          <a:xfrm>
+            <a:off x="4047" y="6557957"/>
+            <a:ext cx="12200192" cy="302115"/>
+          </a:xfrm>
+          <a:prstGeom prst="rect">
+            <a:avLst/>
+          </a:prstGeom>
+          <a:gradFill>
+            <a:gsLst>
+              <a:gs pos="0">
+                <a:srgbClr val="92FF70"/>
+              </a:gs>
+              <a:gs pos="50000">
+                <a:srgbClr val="C2FFB0"/>
+              </a:gs>
+              <a:gs pos="100000">
+                <a:srgbClr val="93FF73"/>
+              </a:gs>
+            </a:gsLst>
+          </a:gradFill>
+          <a:ln>
+            <a:noFill/>
+          </a:ln>
+        </p:spPr>
+        <p:style>
+          <a:lnRef idx="1">
+            <a:schemeClr val="accent6"/>
+          </a:lnRef>
+          <a:fillRef idx="2">
+            <a:schemeClr val="accent6"/>
+          </a:fillRef>
+          <a:effectRef idx="1">
+            <a:schemeClr val="accent6"/>
+          </a:effectRef>
+          <a:fontRef idx="minor">
+            <a:schemeClr val="dk1"/>
+          </a:fontRef>
+        </p:style>
+        <p:txBody>
+          <a:bodyPr vert="horz" lIns="91440" tIns="91440" rIns="91440" bIns="91440" rtlCol="0" anchor="ctr">
+            <a:noAutofit/>
+          </a:bodyPr>
+          <a:lstStyle>
+            <a:lvl1pPr marL="228600" indent="-228600" algn="l" defTabSz="914400" rtl="0" eaLnBrk="1" latinLnBrk="0" hangingPunct="1">
+              <a:lnSpc>
+                <a:spcPct val="120000"/>
+              </a:lnSpc>
+              <a:spcBef>
+                <a:spcPts val="1000"/>
+              </a:spcBef>
+              <a:buSzPct val="125000"/>
+              <a:buFont typeface="Arial" panose="020B0604020202020204" pitchFamily="34" charset="0"/>
+              <a:buChar char="•"/>
+              <a:defRPr sz="2400" kern="1200">
+                <a:solidFill>
+                  <a:schemeClr val="tx1"/>
+                </a:solidFill>
+                <a:latin typeface="+mn-lt"/>
+                <a:ea typeface="+mn-ea"/>
+                <a:cs typeface="+mn-cs"/>
+              </a:defRPr>
+            </a:lvl1pPr>
+            <a:lvl2pPr marL="685800" indent="-228600" algn="l" defTabSz="914400" rtl="0" eaLnBrk="1" latinLnBrk="0" hangingPunct="1">
+              <a:lnSpc>
+                <a:spcPct val="120000"/>
+              </a:lnSpc>
+              <a:spcBef>
+                <a:spcPts val="500"/>
+              </a:spcBef>
+              <a:buSzPct val="125000"/>
+              <a:buFont typeface="Arial" panose="020B0604020202020204" pitchFamily="34" charset="0"/>
+              <a:buChar char="•"/>
+              <a:defRPr sz="2000" kern="1200">
+                <a:solidFill>
+                  <a:schemeClr val="tx1"/>
+                </a:solidFill>
+                <a:latin typeface="+mn-lt"/>
+                <a:ea typeface="+mn-ea"/>
+                <a:cs typeface="+mn-cs"/>
+              </a:defRPr>
+            </a:lvl2pPr>
+            <a:lvl3pPr marL="1143000" indent="-228600" algn="l" defTabSz="914400" rtl="0" eaLnBrk="1" latinLnBrk="0" hangingPunct="1">
+              <a:lnSpc>
+                <a:spcPct val="120000"/>
+              </a:lnSpc>
+              <a:spcBef>
+                <a:spcPts val="500"/>
+              </a:spcBef>
+              <a:buSzPct val="125000"/>
+              <a:buFont typeface="Arial" panose="020B0604020202020204" pitchFamily="34" charset="0"/>
+              <a:buChar char="•"/>
+              <a:defRPr sz="1800" kern="1200">
+                <a:solidFill>
+                  <a:schemeClr val="tx1"/>
+                </a:solidFill>
+                <a:latin typeface="+mn-lt"/>
+                <a:ea typeface="+mn-ea"/>
+                <a:cs typeface="+mn-cs"/>
+              </a:defRPr>
+            </a:lvl3pPr>
+            <a:lvl4pPr marL="1600200" indent="-228600" algn="l" defTabSz="914400" rtl="0" eaLnBrk="1" latinLnBrk="0" hangingPunct="1">
+              <a:lnSpc>
+                <a:spcPct val="120000"/>
+              </a:lnSpc>
+              <a:spcBef>
+                <a:spcPts val="500"/>
+              </a:spcBef>
+              <a:buSzPct val="125000"/>
+              <a:buFont typeface="Arial" panose="020B0604020202020204" pitchFamily="34" charset="0"/>
+              <a:buChar char="•"/>
+              <a:defRPr sz="1600" kern="1200">
+                <a:solidFill>
+                  <a:schemeClr val="tx1"/>
+                </a:solidFill>
+                <a:latin typeface="+mn-lt"/>
+                <a:ea typeface="+mn-ea"/>
+                <a:cs typeface="+mn-cs"/>
+              </a:defRPr>
+            </a:lvl4pPr>
+            <a:lvl5pPr marL="2057400" indent="-228600" algn="l" defTabSz="914400" rtl="0" eaLnBrk="1" latinLnBrk="0" hangingPunct="1">
+              <a:lnSpc>
+                <a:spcPct val="120000"/>
+              </a:lnSpc>
+              <a:spcBef>
+                <a:spcPts val="500"/>
+              </a:spcBef>
+              <a:buSzPct val="125000"/>
+              <a:buFont typeface="Arial" panose="020B0604020202020204" pitchFamily="34" charset="0"/>
+              <a:buChar char="•"/>
+              <a:defRPr sz="1600" kern="1200">
+                <a:solidFill>
+                  <a:schemeClr val="tx1"/>
+                </a:solidFill>
+                <a:latin typeface="+mn-lt"/>
+                <a:ea typeface="+mn-ea"/>
+                <a:cs typeface="+mn-cs"/>
+              </a:defRPr>
+            </a:lvl5pPr>
+            <a:lvl6pPr marL="2514600" indent="-228600" algn="l" defTabSz="914400" rtl="0" eaLnBrk="1" latinLnBrk="0" hangingPunct="1">
+              <a:lnSpc>
+                <a:spcPct val="120000"/>
+              </a:lnSpc>
+              <a:spcBef>
+                <a:spcPts val="500"/>
+              </a:spcBef>
+              <a:buSzPct val="125000"/>
+              <a:buFont typeface="Arial" panose="020B0604020202020204" pitchFamily="34" charset="0"/>
+              <a:buChar char="•"/>
+              <a:defRPr sz="1400" kern="1200">
+                <a:solidFill>
+                  <a:schemeClr val="tx1"/>
+                </a:solidFill>
+                <a:latin typeface="+mn-lt"/>
+                <a:ea typeface="+mn-ea"/>
+                <a:cs typeface="+mn-cs"/>
+              </a:defRPr>
+            </a:lvl6pPr>
+            <a:lvl7pPr marL="2971800" indent="-228600" algn="l" defTabSz="914400" rtl="0" eaLnBrk="1" latinLnBrk="0" hangingPunct="1">
+              <a:lnSpc>
+                <a:spcPct val="120000"/>
+              </a:lnSpc>
+              <a:spcBef>
+                <a:spcPts val="500"/>
+              </a:spcBef>
+              <a:buSzPct val="125000"/>
+              <a:buFont typeface="Arial" panose="020B0604020202020204" pitchFamily="34" charset="0"/>
+              <a:buChar char="•"/>
+              <a:defRPr sz="1400" kern="1200">
+                <a:solidFill>
+                  <a:schemeClr val="tx1"/>
+                </a:solidFill>
+                <a:latin typeface="+mn-lt"/>
+                <a:ea typeface="+mn-ea"/>
+                <a:cs typeface="+mn-cs"/>
+              </a:defRPr>
+            </a:lvl7pPr>
+            <a:lvl8pPr marL="3429000" indent="-228600" algn="l" defTabSz="914400" rtl="0" eaLnBrk="1" latinLnBrk="0" hangingPunct="1">
+              <a:lnSpc>
+                <a:spcPct val="120000"/>
+              </a:lnSpc>
+              <a:spcBef>
+                <a:spcPts val="500"/>
+              </a:spcBef>
+              <a:buSzPct val="125000"/>
+              <a:buFont typeface="Arial" panose="020B0604020202020204" pitchFamily="34" charset="0"/>
+              <a:buChar char="•"/>
+              <a:defRPr sz="1400" kern="1200">
+                <a:solidFill>
+                  <a:schemeClr val="tx1"/>
+                </a:solidFill>
+                <a:latin typeface="+mn-lt"/>
+                <a:ea typeface="+mn-ea"/>
+                <a:cs typeface="+mn-cs"/>
+              </a:defRPr>
+            </a:lvl8pPr>
+            <a:lvl9pPr marL="3886200" indent="-228600" algn="l" defTabSz="914400" rtl="0" eaLnBrk="1" latinLnBrk="0" hangingPunct="1">
+              <a:lnSpc>
+                <a:spcPct val="120000"/>
+              </a:lnSpc>
+              <a:spcBef>
+                <a:spcPts val="500"/>
+              </a:spcBef>
+              <a:buSzPct val="125000"/>
+              <a:buFont typeface="Arial" panose="020B0604020202020204" pitchFamily="34" charset="0"/>
+              <a:buChar char="•"/>
+              <a:defRPr sz="1400" kern="1200">
+                <a:solidFill>
+                  <a:schemeClr val="tx1"/>
+                </a:solidFill>
+                <a:latin typeface="+mn-lt"/>
+                <a:ea typeface="+mn-ea"/>
+                <a:cs typeface="+mn-cs"/>
+              </a:defRPr>
+            </a:lvl9pPr>
+          </a:lstStyle>
+          <a:p>
+            <a:pPr marL="0" indent="0" algn="ctr">
+              <a:buNone/>
+            </a:pPr>
+            <a:r>
+              <a:rPr lang="th-TH" b="1" dirty="0">
+                <a:solidFill>
+                  <a:schemeClr val="tx1">
+                    <a:lumMod val="95000"/>
+                    <a:lumOff val="5000"/>
+                  </a:schemeClr>
+                </a:solidFill>
+                <a:effectLst>
+                  <a:outerShdw blurRad="38100" dist="38100" dir="2700000" algn="tl">
+                    <a:srgbClr val="000000">
+                      <a:alpha val="43137"/>
+                    </a:srgbClr>
+                  </a:outerShdw>
+                </a:effectLst>
+                <a:latin typeface="Angsana New" panose="02020603050405020304" pitchFamily="18" charset="-34"/>
+                <a:cs typeface="Angsana New" panose="02020603050405020304" pitchFamily="18" charset="-34"/>
+              </a:rPr>
+              <a:t>สำนักงานสาธารณสุขจังหวัดชุมพร      วิสัยทัศน์       “องค์กรหลักด้านสุขภาพ ที่รวมพลังสังคม สู่ชุมพรเมืองสุขภาวะ”</a:t>
+            </a:r>
+            <a:endParaRPr lang="en-US" b="1" dirty="0">
+              <a:ln>
+                <a:solidFill>
+                  <a:schemeClr val="bg1"/>
+                </a:solidFill>
+              </a:ln>
+              <a:solidFill>
+                <a:schemeClr val="tx1">
+                  <a:lumMod val="95000"/>
+                  <a:lumOff val="5000"/>
+                </a:schemeClr>
+              </a:solidFill>
+              <a:effectLst>
+                <a:glow rad="63500">
+                  <a:srgbClr val="002060">
+                    <a:alpha val="40000"/>
+                  </a:srgbClr>
+                </a:glow>
+                <a:outerShdw blurRad="38100" dist="38100" dir="2700000" algn="tl">
+                  <a:srgbClr val="000000">
+                    <a:alpha val="43137"/>
+                  </a:srgbClr>
+                </a:outerShdw>
+              </a:effectLst>
+              <a:latin typeface="Angsana New" panose="02020603050405020304" pitchFamily="18" charset="-34"/>
+              <a:cs typeface="Angsana New" panose="02020603050405020304" pitchFamily="18" charset="-34"/>
+            </a:endParaRPr>
+          </a:p>
+        </p:txBody>
+      </p:sp>
       <p:pic>
         <p:nvPicPr>
-          <p:cNvPr id="5" name="Picture 4">
+          <p:cNvPr id="45" name="Picture 44">
             <a:extLst>
               <a:ext uri="{FF2B5EF4-FFF2-40B4-BE49-F238E27FC236}">
-                <a16:creationId xmlns:a16="http://schemas.microsoft.com/office/drawing/2014/main" id="{F8B25FB0-22F1-4091-9974-0C523195351B}"/>
+                <a16:creationId xmlns:a16="http://schemas.microsoft.com/office/drawing/2014/main" id="{872DDA4D-0F3C-44EC-B431-32E1A28C50DD}"/>
               </a:ext>
             </a:extLst>
           </p:cNvPr>
@@ -11151,7 +12569,7 @@
         </p:blipFill>
         <p:spPr>
           <a:xfrm>
-            <a:off x="11077157" y="61971"/>
+            <a:off x="160341" y="44928"/>
             <a:ext cx="1010943" cy="1010943"/>
           </a:xfrm>
           <a:prstGeom prst="rect">
@@ -11161,10 +12579,66 @@
       </p:pic>
       <p:sp>
         <p:nvSpPr>
-          <p:cNvPr id="31" name="TextBox 30">
+          <p:cNvPr id="56" name="Rectangle 55">
             <a:extLst>
               <a:ext uri="{FF2B5EF4-FFF2-40B4-BE49-F238E27FC236}">
-                <a16:creationId xmlns:a16="http://schemas.microsoft.com/office/drawing/2014/main" id="{FA4ED843-F2F2-4E51-8964-753FC5DB9A92}"/>
+                <a16:creationId xmlns:a16="http://schemas.microsoft.com/office/drawing/2014/main" id="{209BA038-C050-43BE-BDBA-5705E87C0EE2}"/>
+              </a:ext>
+            </a:extLst>
+          </p:cNvPr>
+          <p:cNvSpPr/>
+          <p:nvPr/>
+        </p:nvSpPr>
+        <p:spPr>
+          <a:xfrm>
+            <a:off x="1327578" y="144150"/>
+            <a:ext cx="3443571" cy="769441"/>
+          </a:xfrm>
+          <a:prstGeom prst="rect">
+            <a:avLst/>
+          </a:prstGeom>
+        </p:spPr>
+        <p:txBody>
+          <a:bodyPr wrap="none">
+            <a:spAutoFit/>
+          </a:bodyPr>
+          <a:lstStyle/>
+          <a:p>
+            <a:pPr algn="ctr"/>
+            <a:r>
+              <a:rPr lang="th-TH" sz="4400" b="1" dirty="0">
+                <a:effectLst>
+                  <a:outerShdw blurRad="38100" dist="38100" dir="2700000" algn="tl">
+                    <a:srgbClr val="000000">
+                      <a:alpha val="43137"/>
+                    </a:srgbClr>
+                  </a:outerShdw>
+                </a:effectLst>
+                <a:latin typeface="Angsana New" panose="02020603050405020304" pitchFamily="18" charset="-34"/>
+                <a:cs typeface="Angsana New" panose="02020603050405020304" pitchFamily="18" charset="-34"/>
+              </a:rPr>
+              <a:t>ทรัพยากรสาธารณสุข</a:t>
+            </a:r>
+            <a:endParaRPr lang="en-US" sz="4400" b="1" dirty="0">
+              <a:effectLst>
+                <a:outerShdw blurRad="38100" dist="38100" dir="2700000" algn="tl">
+                  <a:srgbClr val="000000">
+                    <a:alpha val="43137"/>
+                  </a:srgbClr>
+                </a:outerShdw>
+              </a:effectLst>
+              <a:latin typeface="Angsana New" panose="02020603050405020304" pitchFamily="18" charset="-34"/>
+              <a:cs typeface="Angsana New" panose="02020603050405020304" pitchFamily="18" charset="-34"/>
+            </a:endParaRPr>
+          </a:p>
+        </p:txBody>
+      </p:sp>
+      <p:sp>
+        <p:nvSpPr>
+          <p:cNvPr id="66" name="TextBox 65">
+            <a:extLst>
+              <a:ext uri="{FF2B5EF4-FFF2-40B4-BE49-F238E27FC236}">
+                <a16:creationId xmlns:a16="http://schemas.microsoft.com/office/drawing/2014/main" id="{6D8A5822-C609-420C-AF93-78187233925D}"/>
               </a:ext>
             </a:extLst>
           </p:cNvPr>
@@ -11173,8 +12647,8 @@
         </p:nvSpPr>
         <p:spPr>
           <a:xfrm>
-            <a:off x="9063318" y="2732983"/>
-            <a:ext cx="420307" cy="307777"/>
+            <a:off x="9198538" y="1023542"/>
+            <a:ext cx="1184940" cy="369332"/>
           </a:xfrm>
           <a:prstGeom prst="rect">
             <a:avLst/>
@@ -11189,385 +12663,7 @@
           <a:p>
             <a:pPr algn="ctr"/>
             <a:r>
-              <a:rPr lang="th-TH" sz="1400" b="1" dirty="0">
-                <a:ln w="10160">
-                  <a:solidFill>
-                    <a:srgbClr val="0070C0"/>
-                  </a:solidFill>
-                  <a:prstDash val="solid"/>
-                </a:ln>
-                <a:solidFill>
-                  <a:srgbClr val="002060"/>
-                </a:solidFill>
-                <a:effectLst/>
-                <a:latin typeface="Angsana New" panose="02020603050405020304" pitchFamily="18" charset="-34"/>
-                <a:cs typeface="Angsana New" panose="02020603050405020304" pitchFamily="18" charset="-34"/>
-              </a:rPr>
-              <a:t>เมือง</a:t>
-            </a:r>
-            <a:endParaRPr lang="en-US" sz="1400" b="1" dirty="0">
-              <a:ln w="10160">
-                <a:solidFill>
-                  <a:srgbClr val="0070C0"/>
-                </a:solidFill>
-                <a:prstDash val="solid"/>
-              </a:ln>
-              <a:solidFill>
-                <a:srgbClr val="002060"/>
-              </a:solidFill>
-              <a:effectLst/>
-              <a:latin typeface="Angsana New" panose="02020603050405020304" pitchFamily="18" charset="-34"/>
-              <a:cs typeface="Angsana New" panose="02020603050405020304" pitchFamily="18" charset="-34"/>
-            </a:endParaRPr>
-          </a:p>
-        </p:txBody>
-      </p:sp>
-      <p:sp>
-        <p:nvSpPr>
-          <p:cNvPr id="32" name="TextBox 31">
-            <a:extLst>
-              <a:ext uri="{FF2B5EF4-FFF2-40B4-BE49-F238E27FC236}">
-                <a16:creationId xmlns:a16="http://schemas.microsoft.com/office/drawing/2014/main" id="{79B3EFE8-8A65-4858-A654-67CA844E05F3}"/>
-              </a:ext>
-            </a:extLst>
-          </p:cNvPr>
-          <p:cNvSpPr txBox="1"/>
-          <p:nvPr/>
-        </p:nvSpPr>
-        <p:spPr>
-          <a:xfrm>
-            <a:off x="8644194" y="3455719"/>
-            <a:ext cx="386657" cy="307777"/>
-          </a:xfrm>
-          <a:prstGeom prst="rect">
-            <a:avLst/>
-          </a:prstGeom>
-          <a:noFill/>
-        </p:spPr>
-        <p:txBody>
-          <a:bodyPr wrap="square" rtlCol="0">
-            <a:spAutoFit/>
-          </a:bodyPr>
-          <a:lstStyle/>
-          <a:p>
-            <a:pPr algn="ctr"/>
-            <a:r>
-              <a:rPr lang="th-TH" sz="1400" b="1" dirty="0">
-                <a:ln w="10160">
-                  <a:solidFill>
-                    <a:srgbClr val="0070C0"/>
-                  </a:solidFill>
-                  <a:prstDash val="solid"/>
-                </a:ln>
-                <a:solidFill>
-                  <a:srgbClr val="002060"/>
-                </a:solidFill>
-                <a:effectLst/>
-                <a:latin typeface="Angsana New" panose="02020603050405020304" pitchFamily="18" charset="-34"/>
-                <a:cs typeface="Angsana New" panose="02020603050405020304" pitchFamily="18" charset="-34"/>
-              </a:rPr>
-              <a:t>สวี</a:t>
-            </a:r>
-            <a:endParaRPr lang="en-US" sz="1400" b="1" dirty="0">
-              <a:ln w="10160">
-                <a:solidFill>
-                  <a:srgbClr val="0070C0"/>
-                </a:solidFill>
-                <a:prstDash val="solid"/>
-              </a:ln>
-              <a:solidFill>
-                <a:srgbClr val="002060"/>
-              </a:solidFill>
-              <a:effectLst/>
-              <a:latin typeface="Angsana New" panose="02020603050405020304" pitchFamily="18" charset="-34"/>
-              <a:cs typeface="Angsana New" panose="02020603050405020304" pitchFamily="18" charset="-34"/>
-            </a:endParaRPr>
-          </a:p>
-        </p:txBody>
-      </p:sp>
-      <p:sp>
-        <p:nvSpPr>
-          <p:cNvPr id="33" name="TextBox 32">
-            <a:extLst>
-              <a:ext uri="{FF2B5EF4-FFF2-40B4-BE49-F238E27FC236}">
-                <a16:creationId xmlns:a16="http://schemas.microsoft.com/office/drawing/2014/main" id="{45D16A1D-EB74-4D44-B710-9E62D6F4F584}"/>
-              </a:ext>
-            </a:extLst>
-          </p:cNvPr>
-          <p:cNvSpPr txBox="1"/>
-          <p:nvPr/>
-        </p:nvSpPr>
-        <p:spPr>
-          <a:xfrm>
-            <a:off x="9262650" y="4218431"/>
-            <a:ext cx="574195" cy="307777"/>
-          </a:xfrm>
-          <a:prstGeom prst="rect">
-            <a:avLst/>
-          </a:prstGeom>
-          <a:noFill/>
-        </p:spPr>
-        <p:txBody>
-          <a:bodyPr wrap="none" rtlCol="0">
-            <a:spAutoFit/>
-          </a:bodyPr>
-          <a:lstStyle/>
-          <a:p>
-            <a:pPr algn="ctr"/>
-            <a:r>
-              <a:rPr lang="th-TH" sz="1400" b="1" dirty="0">
-                <a:ln w="10160">
-                  <a:solidFill>
-                    <a:srgbClr val="0070C0"/>
-                  </a:solidFill>
-                  <a:prstDash val="solid"/>
-                </a:ln>
-                <a:solidFill>
-                  <a:srgbClr val="002060"/>
-                </a:solidFill>
-                <a:effectLst/>
-                <a:latin typeface="Angsana New" panose="02020603050405020304" pitchFamily="18" charset="-34"/>
-                <a:cs typeface="Angsana New" panose="02020603050405020304" pitchFamily="18" charset="-34"/>
-              </a:rPr>
-              <a:t>ทุ่งตะโก</a:t>
-            </a:r>
-            <a:endParaRPr lang="en-US" sz="1400" b="1" dirty="0">
-              <a:ln w="10160">
-                <a:solidFill>
-                  <a:srgbClr val="0070C0"/>
-                </a:solidFill>
-                <a:prstDash val="solid"/>
-              </a:ln>
-              <a:solidFill>
-                <a:srgbClr val="002060"/>
-              </a:solidFill>
-              <a:effectLst/>
-              <a:latin typeface="Angsana New" panose="02020603050405020304" pitchFamily="18" charset="-34"/>
-              <a:cs typeface="Angsana New" panose="02020603050405020304" pitchFamily="18" charset="-34"/>
-            </a:endParaRPr>
-          </a:p>
-        </p:txBody>
-      </p:sp>
-      <p:sp>
-        <p:nvSpPr>
-          <p:cNvPr id="34" name="TextBox 33">
-            <a:extLst>
-              <a:ext uri="{FF2B5EF4-FFF2-40B4-BE49-F238E27FC236}">
-                <a16:creationId xmlns:a16="http://schemas.microsoft.com/office/drawing/2014/main" id="{B661A637-18FC-404C-96B6-D6C6C850FB93}"/>
-              </a:ext>
-            </a:extLst>
-          </p:cNvPr>
-          <p:cNvSpPr txBox="1"/>
-          <p:nvPr/>
-        </p:nvSpPr>
-        <p:spPr>
-          <a:xfrm>
-            <a:off x="8717616" y="4630655"/>
-            <a:ext cx="617477" cy="307777"/>
-          </a:xfrm>
-          <a:prstGeom prst="rect">
-            <a:avLst/>
-          </a:prstGeom>
-          <a:noFill/>
-        </p:spPr>
-        <p:txBody>
-          <a:bodyPr wrap="none" rtlCol="0">
-            <a:spAutoFit/>
-          </a:bodyPr>
-          <a:lstStyle/>
-          <a:p>
-            <a:pPr algn="ctr"/>
-            <a:r>
-              <a:rPr lang="th-TH" sz="1400" b="1" dirty="0">
-                <a:ln w="10160">
-                  <a:solidFill>
-                    <a:srgbClr val="0070C0"/>
-                  </a:solidFill>
-                  <a:prstDash val="solid"/>
-                </a:ln>
-                <a:solidFill>
-                  <a:srgbClr val="002060"/>
-                </a:solidFill>
-                <a:effectLst/>
-                <a:latin typeface="Angsana New" panose="02020603050405020304" pitchFamily="18" charset="-34"/>
-                <a:cs typeface="Angsana New" panose="02020603050405020304" pitchFamily="18" charset="-34"/>
-              </a:rPr>
-              <a:t>หลังสวน</a:t>
-            </a:r>
-            <a:endParaRPr lang="en-US" sz="1400" b="1" dirty="0">
-              <a:ln w="10160">
-                <a:solidFill>
-                  <a:srgbClr val="0070C0"/>
-                </a:solidFill>
-                <a:prstDash val="solid"/>
-              </a:ln>
-              <a:solidFill>
-                <a:srgbClr val="002060"/>
-              </a:solidFill>
-              <a:effectLst/>
-              <a:latin typeface="Angsana New" panose="02020603050405020304" pitchFamily="18" charset="-34"/>
-              <a:cs typeface="Angsana New" panose="02020603050405020304" pitchFamily="18" charset="-34"/>
-            </a:endParaRPr>
-          </a:p>
-        </p:txBody>
-      </p:sp>
-      <p:sp>
-        <p:nvSpPr>
-          <p:cNvPr id="35" name="TextBox 34">
-            <a:extLst>
-              <a:ext uri="{FF2B5EF4-FFF2-40B4-BE49-F238E27FC236}">
-                <a16:creationId xmlns:a16="http://schemas.microsoft.com/office/drawing/2014/main" id="{A2461763-5C6E-4323-A97E-B6D3C0E97CB9}"/>
-              </a:ext>
-            </a:extLst>
-          </p:cNvPr>
-          <p:cNvSpPr txBox="1"/>
-          <p:nvPr/>
-        </p:nvSpPr>
-        <p:spPr>
-          <a:xfrm>
-            <a:off x="8902839" y="5344241"/>
-            <a:ext cx="458779" cy="307777"/>
-          </a:xfrm>
-          <a:prstGeom prst="rect">
-            <a:avLst/>
-          </a:prstGeom>
-          <a:noFill/>
-        </p:spPr>
-        <p:txBody>
-          <a:bodyPr wrap="none" rtlCol="0">
-            <a:spAutoFit/>
-          </a:bodyPr>
-          <a:lstStyle/>
-          <a:p>
-            <a:pPr algn="ctr"/>
-            <a:r>
-              <a:rPr lang="th-TH" sz="1400" b="1" dirty="0">
-                <a:ln w="10160">
-                  <a:solidFill>
-                    <a:srgbClr val="0070C0"/>
-                  </a:solidFill>
-                  <a:prstDash val="solid"/>
-                </a:ln>
-                <a:solidFill>
-                  <a:srgbClr val="002060"/>
-                </a:solidFill>
-                <a:effectLst/>
-                <a:latin typeface="Angsana New" panose="02020603050405020304" pitchFamily="18" charset="-34"/>
-                <a:cs typeface="Angsana New" panose="02020603050405020304" pitchFamily="18" charset="-34"/>
-              </a:rPr>
-              <a:t>ละแม</a:t>
-            </a:r>
-            <a:endParaRPr lang="en-US" sz="1400" b="1" dirty="0">
-              <a:ln w="10160">
-                <a:solidFill>
-                  <a:srgbClr val="0070C0"/>
-                </a:solidFill>
-                <a:prstDash val="solid"/>
-              </a:ln>
-              <a:solidFill>
-                <a:srgbClr val="002060"/>
-              </a:solidFill>
-              <a:effectLst/>
-              <a:latin typeface="Angsana New" panose="02020603050405020304" pitchFamily="18" charset="-34"/>
-              <a:cs typeface="Angsana New" panose="02020603050405020304" pitchFamily="18" charset="-34"/>
-            </a:endParaRPr>
-          </a:p>
-        </p:txBody>
-      </p:sp>
-      <p:sp>
-        <p:nvSpPr>
-          <p:cNvPr id="36" name="TextBox 35">
-            <a:extLst>
-              <a:ext uri="{FF2B5EF4-FFF2-40B4-BE49-F238E27FC236}">
-                <a16:creationId xmlns:a16="http://schemas.microsoft.com/office/drawing/2014/main" id="{5B4D37B9-01E2-4BB6-B98C-030DC2B453CB}"/>
-              </a:ext>
-            </a:extLst>
-          </p:cNvPr>
-          <p:cNvSpPr txBox="1"/>
-          <p:nvPr/>
-        </p:nvSpPr>
-        <p:spPr>
-          <a:xfrm>
-            <a:off x="7919241" y="5130554"/>
-            <a:ext cx="518091" cy="307777"/>
-          </a:xfrm>
-          <a:prstGeom prst="rect">
-            <a:avLst/>
-          </a:prstGeom>
-          <a:noFill/>
-        </p:spPr>
-        <p:txBody>
-          <a:bodyPr wrap="none" rtlCol="0">
-            <a:spAutoFit/>
-          </a:bodyPr>
-          <a:lstStyle/>
-          <a:p>
-            <a:pPr algn="ctr"/>
-            <a:r>
-              <a:rPr lang="th-TH" sz="1400" b="1" dirty="0">
-                <a:ln w="10160">
-                  <a:solidFill>
-                    <a:srgbClr val="0070C0"/>
-                  </a:solidFill>
-                  <a:prstDash val="solid"/>
-                </a:ln>
-                <a:solidFill>
-                  <a:srgbClr val="002060"/>
-                </a:solidFill>
-                <a:effectLst/>
-                <a:latin typeface="Angsana New" panose="02020603050405020304" pitchFamily="18" charset="-34"/>
-                <a:cs typeface="Angsana New" panose="02020603050405020304" pitchFamily="18" charset="-34"/>
-              </a:rPr>
-              <a:t>พะโต๊ะ</a:t>
-            </a:r>
-            <a:endParaRPr lang="en-US" sz="1400" b="1" dirty="0">
-              <a:ln w="10160">
-                <a:solidFill>
-                  <a:srgbClr val="0070C0"/>
-                </a:solidFill>
-                <a:prstDash val="solid"/>
-              </a:ln>
-              <a:solidFill>
-                <a:srgbClr val="002060"/>
-              </a:solidFill>
-              <a:effectLst/>
-              <a:latin typeface="Angsana New" panose="02020603050405020304" pitchFamily="18" charset="-34"/>
-              <a:cs typeface="Angsana New" panose="02020603050405020304" pitchFamily="18" charset="-34"/>
-            </a:endParaRPr>
-          </a:p>
-        </p:txBody>
-      </p:sp>
-      <p:sp>
-        <p:nvSpPr>
-          <p:cNvPr id="37" name="TextBox 36">
-            <a:extLst>
-              <a:ext uri="{FF2B5EF4-FFF2-40B4-BE49-F238E27FC236}">
-                <a16:creationId xmlns:a16="http://schemas.microsoft.com/office/drawing/2014/main" id="{9E227950-9372-40A9-A278-3D530D7ADF53}"/>
-              </a:ext>
-            </a:extLst>
-          </p:cNvPr>
-          <p:cNvSpPr txBox="1"/>
-          <p:nvPr/>
-        </p:nvSpPr>
-        <p:spPr>
-          <a:xfrm>
-            <a:off x="7447588" y="3208102"/>
-            <a:ext cx="763349" cy="923330"/>
-          </a:xfrm>
-          <a:prstGeom prst="rect">
-            <a:avLst/>
-          </a:prstGeom>
-          <a:noFill/>
-        </p:spPr>
-        <p:txBody>
-          <a:bodyPr wrap="none" rtlCol="0">
-            <a:spAutoFit/>
-          </a:bodyPr>
-          <a:lstStyle/>
-          <a:p>
-            <a:pPr algn="ctr"/>
-            <a:r>
-              <a:rPr lang="th-TH" b="1" dirty="0">
+              <a:rPr lang="th-TH" dirty="0">
                 <a:ln w="10160">
                   <a:solidFill>
                     <a:srgbClr val="FF0000"/>
@@ -11577,13 +12673,12 @@
                 <a:solidFill>
                   <a:srgbClr val="FF0000"/>
                 </a:solidFill>
-                <a:effectLst/>
                 <a:latin typeface="Angsana New" panose="02020603050405020304" pitchFamily="18" charset="-34"/>
                 <a:cs typeface="Angsana New" panose="02020603050405020304" pitchFamily="18" charset="-34"/>
               </a:rPr>
-              <a:t>ระนอง</a:t>
+              <a:t>ประจวบคีรีขันธ์</a:t>
             </a:r>
-            <a:endParaRPr lang="en-US" b="1" dirty="0">
+            <a:endParaRPr lang="en-US" dirty="0">
               <a:ln w="10160">
                 <a:solidFill>
                   <a:srgbClr val="FF0000"/>
@@ -11597,982 +12692,6 @@
               <a:latin typeface="Angsana New" panose="02020603050405020304" pitchFamily="18" charset="-34"/>
               <a:cs typeface="Angsana New" panose="02020603050405020304" pitchFamily="18" charset="-34"/>
             </a:endParaRPr>
-          </a:p>
-          <a:p>
-            <a:pPr algn="ctr"/>
-            <a:r>
-              <a:rPr lang="th-TH" b="1" dirty="0">
-                <a:ln w="10160">
-                  <a:solidFill>
-                    <a:srgbClr val="FF0000"/>
-                  </a:solidFill>
-                  <a:prstDash val="solid"/>
-                </a:ln>
-                <a:solidFill>
-                  <a:srgbClr val="FF0000"/>
-                </a:solidFill>
-                <a:effectLst/>
-                <a:latin typeface="Angsana New" panose="02020603050405020304" pitchFamily="18" charset="-34"/>
-                <a:cs typeface="Angsana New" panose="02020603050405020304" pitchFamily="18" charset="-34"/>
-              </a:rPr>
-              <a:t>และ</a:t>
-            </a:r>
-            <a:endParaRPr lang="en-US" b="1" dirty="0">
-              <a:ln w="10160">
-                <a:solidFill>
-                  <a:srgbClr val="FF0000"/>
-                </a:solidFill>
-                <a:prstDash val="solid"/>
-              </a:ln>
-              <a:solidFill>
-                <a:srgbClr val="FF0000"/>
-              </a:solidFill>
-              <a:effectLst/>
-              <a:latin typeface="Angsana New" panose="02020603050405020304" pitchFamily="18" charset="-34"/>
-              <a:cs typeface="Angsana New" panose="02020603050405020304" pitchFamily="18" charset="-34"/>
-            </a:endParaRPr>
-          </a:p>
-          <a:p>
-            <a:pPr algn="ctr"/>
-            <a:r>
-              <a:rPr lang="th-TH" b="1" dirty="0">
-                <a:ln w="10160">
-                  <a:solidFill>
-                    <a:srgbClr val="FF0000"/>
-                  </a:solidFill>
-                  <a:prstDash val="solid"/>
-                </a:ln>
-                <a:solidFill>
-                  <a:srgbClr val="FF0000"/>
-                </a:solidFill>
-                <a:effectLst/>
-                <a:latin typeface="Angsana New" panose="02020603050405020304" pitchFamily="18" charset="-34"/>
-                <a:cs typeface="Angsana New" panose="02020603050405020304" pitchFamily="18" charset="-34"/>
-              </a:rPr>
-              <a:t>เมียนมาร์</a:t>
-            </a:r>
-            <a:endParaRPr lang="en-US" b="1" dirty="0">
-              <a:ln w="10160">
-                <a:solidFill>
-                  <a:srgbClr val="FF0000"/>
-                </a:solidFill>
-                <a:prstDash val="solid"/>
-              </a:ln>
-              <a:solidFill>
-                <a:srgbClr val="FF0000"/>
-              </a:solidFill>
-              <a:effectLst/>
-              <a:latin typeface="Angsana New" panose="02020603050405020304" pitchFamily="18" charset="-34"/>
-              <a:cs typeface="Angsana New" panose="02020603050405020304" pitchFamily="18" charset="-34"/>
-            </a:endParaRPr>
-          </a:p>
-        </p:txBody>
-      </p:sp>
-      <p:sp>
-        <p:nvSpPr>
-          <p:cNvPr id="38" name="TextBox 37">
-            <a:extLst>
-              <a:ext uri="{FF2B5EF4-FFF2-40B4-BE49-F238E27FC236}">
-                <a16:creationId xmlns:a16="http://schemas.microsoft.com/office/drawing/2014/main" id="{5E1B59A0-D59F-431D-B19B-C90C2B72E2DD}"/>
-              </a:ext>
-            </a:extLst>
-          </p:cNvPr>
-          <p:cNvSpPr txBox="1"/>
-          <p:nvPr/>
-        </p:nvSpPr>
-        <p:spPr>
-          <a:xfrm>
-            <a:off x="10228183" y="3429000"/>
-            <a:ext cx="676788" cy="369332"/>
-          </a:xfrm>
-          <a:prstGeom prst="rect">
-            <a:avLst/>
-          </a:prstGeom>
-          <a:solidFill>
-            <a:schemeClr val="bg1">
-              <a:alpha val="70000"/>
-            </a:schemeClr>
-          </a:solidFill>
-        </p:spPr>
-        <p:txBody>
-          <a:bodyPr wrap="none" rtlCol="0">
-            <a:spAutoFit/>
-          </a:bodyPr>
-          <a:lstStyle/>
-          <a:p>
-            <a:pPr algn="ctr"/>
-            <a:r>
-              <a:rPr lang="th-TH" b="1" dirty="0">
-                <a:ln w="10160">
-                  <a:solidFill>
-                    <a:srgbClr val="FF0000"/>
-                  </a:solidFill>
-                  <a:prstDash val="solid"/>
-                </a:ln>
-                <a:solidFill>
-                  <a:srgbClr val="FF0000"/>
-                </a:solidFill>
-                <a:effectLst/>
-                <a:latin typeface="Angsana New" panose="02020603050405020304" pitchFamily="18" charset="-34"/>
-                <a:cs typeface="Angsana New" panose="02020603050405020304" pitchFamily="18" charset="-34"/>
-              </a:rPr>
-              <a:t>อ่าวไทย</a:t>
-            </a:r>
-            <a:endParaRPr lang="en-US" b="1" dirty="0">
-              <a:ln w="10160">
-                <a:solidFill>
-                  <a:srgbClr val="FF0000"/>
-                </a:solidFill>
-                <a:prstDash val="solid"/>
-              </a:ln>
-              <a:solidFill>
-                <a:srgbClr val="FF0000"/>
-              </a:solidFill>
-              <a:effectLst/>
-              <a:latin typeface="Angsana New" panose="02020603050405020304" pitchFamily="18" charset="-34"/>
-              <a:cs typeface="Angsana New" panose="02020603050405020304" pitchFamily="18" charset="-34"/>
-            </a:endParaRPr>
-          </a:p>
-        </p:txBody>
-      </p:sp>
-      <p:sp>
-        <p:nvSpPr>
-          <p:cNvPr id="39" name="TextBox 38">
-            <a:extLst>
-              <a:ext uri="{FF2B5EF4-FFF2-40B4-BE49-F238E27FC236}">
-                <a16:creationId xmlns:a16="http://schemas.microsoft.com/office/drawing/2014/main" id="{6A1F872E-8975-4F4D-9584-BB11F99EDC0F}"/>
-              </a:ext>
-            </a:extLst>
-          </p:cNvPr>
-          <p:cNvSpPr txBox="1"/>
-          <p:nvPr/>
-        </p:nvSpPr>
-        <p:spPr>
-          <a:xfrm>
-            <a:off x="8351653" y="6014981"/>
-            <a:ext cx="971741" cy="369332"/>
-          </a:xfrm>
-          <a:prstGeom prst="rect">
-            <a:avLst/>
-          </a:prstGeom>
-          <a:noFill/>
-        </p:spPr>
-        <p:txBody>
-          <a:bodyPr wrap="none" rtlCol="0">
-            <a:spAutoFit/>
-          </a:bodyPr>
-          <a:lstStyle/>
-          <a:p>
-            <a:pPr algn="ctr"/>
-            <a:r>
-              <a:rPr lang="th-TH" b="1" dirty="0">
-                <a:ln w="10160">
-                  <a:solidFill>
-                    <a:srgbClr val="FF0000"/>
-                  </a:solidFill>
-                  <a:prstDash val="solid"/>
-                </a:ln>
-                <a:solidFill>
-                  <a:srgbClr val="FF0000"/>
-                </a:solidFill>
-                <a:effectLst/>
-                <a:latin typeface="Angsana New" panose="02020603050405020304" pitchFamily="18" charset="-34"/>
-                <a:cs typeface="Angsana New" panose="02020603050405020304" pitchFamily="18" charset="-34"/>
-              </a:rPr>
-              <a:t>สุราษฎร์ธานี</a:t>
-            </a:r>
-            <a:endParaRPr lang="en-US" b="1" dirty="0">
-              <a:ln w="10160">
-                <a:solidFill>
-                  <a:srgbClr val="FF0000"/>
-                </a:solidFill>
-                <a:prstDash val="solid"/>
-              </a:ln>
-              <a:solidFill>
-                <a:srgbClr val="FF0000"/>
-              </a:solidFill>
-              <a:effectLst/>
-              <a:latin typeface="Angsana New" panose="02020603050405020304" pitchFamily="18" charset="-34"/>
-              <a:cs typeface="Angsana New" panose="02020603050405020304" pitchFamily="18" charset="-34"/>
-            </a:endParaRPr>
-          </a:p>
-        </p:txBody>
-      </p:sp>
-      <p:sp>
-        <p:nvSpPr>
-          <p:cNvPr id="40" name="TextBox 39">
-            <a:extLst>
-              <a:ext uri="{FF2B5EF4-FFF2-40B4-BE49-F238E27FC236}">
-                <a16:creationId xmlns:a16="http://schemas.microsoft.com/office/drawing/2014/main" id="{AC89395F-4F32-40B0-B660-5BDFF5558861}"/>
-              </a:ext>
-            </a:extLst>
-          </p:cNvPr>
-          <p:cNvSpPr txBox="1"/>
-          <p:nvPr/>
-        </p:nvSpPr>
-        <p:spPr>
-          <a:xfrm>
-            <a:off x="9321641" y="802432"/>
-            <a:ext cx="1184940" cy="369332"/>
-          </a:xfrm>
-          <a:prstGeom prst="rect">
-            <a:avLst/>
-          </a:prstGeom>
-          <a:noFill/>
-        </p:spPr>
-        <p:txBody>
-          <a:bodyPr wrap="none" rtlCol="0">
-            <a:spAutoFit/>
-          </a:bodyPr>
-          <a:lstStyle/>
-          <a:p>
-            <a:pPr algn="ctr"/>
-            <a:r>
-              <a:rPr lang="th-TH" b="1" dirty="0">
-                <a:ln w="10160">
-                  <a:solidFill>
-                    <a:srgbClr val="FF0000"/>
-                  </a:solidFill>
-                  <a:prstDash val="solid"/>
-                </a:ln>
-                <a:solidFill>
-                  <a:srgbClr val="FF0000"/>
-                </a:solidFill>
-                <a:effectLst/>
-                <a:latin typeface="Angsana New" panose="02020603050405020304" pitchFamily="18" charset="-34"/>
-                <a:cs typeface="Angsana New" panose="02020603050405020304" pitchFamily="18" charset="-34"/>
-              </a:rPr>
-              <a:t>ประจวบคีรีขันธ์</a:t>
-            </a:r>
-            <a:endParaRPr lang="en-US" b="1" dirty="0">
-              <a:ln w="10160">
-                <a:solidFill>
-                  <a:srgbClr val="FF0000"/>
-                </a:solidFill>
-                <a:prstDash val="solid"/>
-              </a:ln>
-              <a:solidFill>
-                <a:srgbClr val="FF0000"/>
-              </a:solidFill>
-              <a:effectLst/>
-              <a:latin typeface="Angsana New" panose="02020603050405020304" pitchFamily="18" charset="-34"/>
-              <a:cs typeface="Angsana New" panose="02020603050405020304" pitchFamily="18" charset="-34"/>
-            </a:endParaRPr>
-          </a:p>
-        </p:txBody>
-      </p:sp>
-      <p:sp>
-        <p:nvSpPr>
-          <p:cNvPr id="41" name="Oval 40">
-            <a:extLst>
-              <a:ext uri="{FF2B5EF4-FFF2-40B4-BE49-F238E27FC236}">
-                <a16:creationId xmlns:a16="http://schemas.microsoft.com/office/drawing/2014/main" id="{4941B121-DFEE-401D-A47B-04654E9E4D22}"/>
-              </a:ext>
-            </a:extLst>
-          </p:cNvPr>
-          <p:cNvSpPr/>
-          <p:nvPr/>
-        </p:nvSpPr>
-        <p:spPr>
-          <a:xfrm>
-            <a:off x="9859257" y="1650450"/>
-            <a:ext cx="584492" cy="369332"/>
-          </a:xfrm>
-          <a:prstGeom prst="ellipse">
-            <a:avLst/>
-          </a:prstGeom>
-          <a:solidFill>
-            <a:srgbClr val="F735E0"/>
-          </a:solidFill>
-          <a:ln>
-            <a:noFill/>
-          </a:ln>
-        </p:spPr>
-        <p:style>
-          <a:lnRef idx="2">
-            <a:schemeClr val="accent1">
-              <a:shade val="50000"/>
-            </a:schemeClr>
-          </a:lnRef>
-          <a:fillRef idx="1">
-            <a:schemeClr val="accent1"/>
-          </a:fillRef>
-          <a:effectRef idx="0">
-            <a:schemeClr val="accent1"/>
-          </a:effectRef>
-          <a:fontRef idx="minor">
-            <a:schemeClr val="lt1"/>
-          </a:fontRef>
-        </p:style>
-        <p:txBody>
-          <a:bodyPr rtlCol="0" anchor="ctr"/>
-          <a:lstStyle/>
-          <a:p>
-            <a:pPr algn="ctr"/>
-            <a:r>
-              <a:rPr lang="en-US" sz="2400" b="1" dirty="0">
-                <a:effectLst>
-                  <a:outerShdw blurRad="38100" dist="38100" dir="2700000" algn="tl">
-                    <a:srgbClr val="000000">
-                      <a:alpha val="43137"/>
-                    </a:srgbClr>
-                  </a:outerShdw>
-                </a:effectLst>
-                <a:latin typeface="Angsana New" panose="02020603050405020304" pitchFamily="18" charset="-34"/>
-                <a:cs typeface="Angsana New" panose="02020603050405020304" pitchFamily="18" charset="-34"/>
-              </a:rPr>
-              <a:t>F2</a:t>
-            </a:r>
-          </a:p>
-        </p:txBody>
-      </p:sp>
-      <p:sp>
-        <p:nvSpPr>
-          <p:cNvPr id="43" name="Oval 42">
-            <a:extLst>
-              <a:ext uri="{FF2B5EF4-FFF2-40B4-BE49-F238E27FC236}">
-                <a16:creationId xmlns:a16="http://schemas.microsoft.com/office/drawing/2014/main" id="{08CFC80F-6636-40BA-9B7F-AC8BD9B0DCD9}"/>
-              </a:ext>
-            </a:extLst>
-          </p:cNvPr>
-          <p:cNvSpPr/>
-          <p:nvPr/>
-        </p:nvSpPr>
-        <p:spPr>
-          <a:xfrm>
-            <a:off x="8566499" y="2828745"/>
-            <a:ext cx="508730" cy="369332"/>
-          </a:xfrm>
-          <a:prstGeom prst="ellipse">
-            <a:avLst/>
-          </a:prstGeom>
-          <a:solidFill>
-            <a:srgbClr val="FF0000"/>
-          </a:solidFill>
-          <a:ln>
-            <a:noFill/>
-          </a:ln>
-        </p:spPr>
-        <p:style>
-          <a:lnRef idx="2">
-            <a:schemeClr val="accent1">
-              <a:shade val="50000"/>
-            </a:schemeClr>
-          </a:lnRef>
-          <a:fillRef idx="1">
-            <a:schemeClr val="accent1"/>
-          </a:fillRef>
-          <a:effectRef idx="0">
-            <a:schemeClr val="accent1"/>
-          </a:effectRef>
-          <a:fontRef idx="minor">
-            <a:schemeClr val="lt1"/>
-          </a:fontRef>
-        </p:style>
-        <p:txBody>
-          <a:bodyPr rtlCol="0" anchor="ctr"/>
-          <a:lstStyle/>
-          <a:p>
-            <a:pPr algn="ctr"/>
-            <a:r>
-              <a:rPr lang="en-US" sz="2800" b="1" dirty="0">
-                <a:effectLst>
-                  <a:outerShdw blurRad="38100" dist="38100" dir="2700000" algn="tl">
-                    <a:srgbClr val="000000">
-                      <a:alpha val="43137"/>
-                    </a:srgbClr>
-                  </a:outerShdw>
-                </a:effectLst>
-                <a:latin typeface="Angsana New" panose="02020603050405020304" pitchFamily="18" charset="-34"/>
-                <a:cs typeface="Angsana New" panose="02020603050405020304" pitchFamily="18" charset="-34"/>
-              </a:rPr>
-              <a:t>S</a:t>
-            </a:r>
-          </a:p>
-        </p:txBody>
-      </p:sp>
-      <p:sp>
-        <p:nvSpPr>
-          <p:cNvPr id="46" name="Oval 45">
-            <a:extLst>
-              <a:ext uri="{FF2B5EF4-FFF2-40B4-BE49-F238E27FC236}">
-                <a16:creationId xmlns:a16="http://schemas.microsoft.com/office/drawing/2014/main" id="{C3C3A02D-4DFC-495B-BA3B-241B6A6E1C38}"/>
-              </a:ext>
-            </a:extLst>
-          </p:cNvPr>
-          <p:cNvSpPr/>
-          <p:nvPr/>
-        </p:nvSpPr>
-        <p:spPr>
-          <a:xfrm>
-            <a:off x="9066136" y="2992279"/>
-            <a:ext cx="578111" cy="369332"/>
-          </a:xfrm>
-          <a:prstGeom prst="ellipse">
-            <a:avLst/>
-          </a:prstGeom>
-          <a:solidFill>
-            <a:srgbClr val="4BACC6"/>
-          </a:solidFill>
-          <a:ln>
-            <a:noFill/>
-          </a:ln>
-        </p:spPr>
-        <p:style>
-          <a:lnRef idx="2">
-            <a:schemeClr val="accent1">
-              <a:shade val="50000"/>
-            </a:schemeClr>
-          </a:lnRef>
-          <a:fillRef idx="1">
-            <a:schemeClr val="accent1"/>
-          </a:fillRef>
-          <a:effectRef idx="0">
-            <a:schemeClr val="accent1"/>
-          </a:effectRef>
-          <a:fontRef idx="minor">
-            <a:schemeClr val="lt1"/>
-          </a:fontRef>
-        </p:style>
-        <p:txBody>
-          <a:bodyPr rtlCol="0" anchor="ctr"/>
-          <a:lstStyle/>
-          <a:p>
-            <a:pPr algn="ctr"/>
-            <a:r>
-              <a:rPr lang="en-US" sz="2400" b="1" dirty="0">
-                <a:effectLst>
-                  <a:outerShdw blurRad="38100" dist="38100" dir="2700000" algn="tl">
-                    <a:srgbClr val="000000">
-                      <a:alpha val="43137"/>
-                    </a:srgbClr>
-                  </a:outerShdw>
-                </a:effectLst>
-                <a:latin typeface="Angsana New" panose="02020603050405020304" pitchFamily="18" charset="-34"/>
-                <a:cs typeface="Angsana New" panose="02020603050405020304" pitchFamily="18" charset="-34"/>
-              </a:rPr>
-              <a:t>F3</a:t>
-            </a:r>
-          </a:p>
-        </p:txBody>
-      </p:sp>
-      <p:sp>
-        <p:nvSpPr>
-          <p:cNvPr id="47" name="Oval 46">
-            <a:extLst>
-              <a:ext uri="{FF2B5EF4-FFF2-40B4-BE49-F238E27FC236}">
-                <a16:creationId xmlns:a16="http://schemas.microsoft.com/office/drawing/2014/main" id="{FD4E4830-2460-49A2-9DA0-6DB6C229988D}"/>
-              </a:ext>
-            </a:extLst>
-          </p:cNvPr>
-          <p:cNvSpPr/>
-          <p:nvPr/>
-        </p:nvSpPr>
-        <p:spPr>
-          <a:xfrm>
-            <a:off x="9807617" y="1275950"/>
-            <a:ext cx="578111" cy="369332"/>
-          </a:xfrm>
-          <a:prstGeom prst="ellipse">
-            <a:avLst/>
-          </a:prstGeom>
-          <a:solidFill>
-            <a:srgbClr val="4BACC6"/>
-          </a:solidFill>
-          <a:ln>
-            <a:noFill/>
-          </a:ln>
-        </p:spPr>
-        <p:style>
-          <a:lnRef idx="2">
-            <a:schemeClr val="accent1">
-              <a:shade val="50000"/>
-            </a:schemeClr>
-          </a:lnRef>
-          <a:fillRef idx="1">
-            <a:schemeClr val="accent1"/>
-          </a:fillRef>
-          <a:effectRef idx="0">
-            <a:schemeClr val="accent1"/>
-          </a:effectRef>
-          <a:fontRef idx="minor">
-            <a:schemeClr val="lt1"/>
-          </a:fontRef>
-        </p:style>
-        <p:txBody>
-          <a:bodyPr rtlCol="0" anchor="ctr"/>
-          <a:lstStyle/>
-          <a:p>
-            <a:pPr algn="ctr"/>
-            <a:r>
-              <a:rPr lang="en-US" sz="2400" b="1" dirty="0">
-                <a:effectLst>
-                  <a:outerShdw blurRad="38100" dist="38100" dir="2700000" algn="tl">
-                    <a:srgbClr val="000000">
-                      <a:alpha val="43137"/>
-                    </a:srgbClr>
-                  </a:outerShdw>
-                </a:effectLst>
-                <a:latin typeface="Angsana New" panose="02020603050405020304" pitchFamily="18" charset="-34"/>
-                <a:cs typeface="Angsana New" panose="02020603050405020304" pitchFamily="18" charset="-34"/>
-              </a:rPr>
-              <a:t>F3</a:t>
-            </a:r>
-          </a:p>
-        </p:txBody>
-      </p:sp>
-      <p:sp>
-        <p:nvSpPr>
-          <p:cNvPr id="48" name="Oval 47">
-            <a:extLst>
-              <a:ext uri="{FF2B5EF4-FFF2-40B4-BE49-F238E27FC236}">
-                <a16:creationId xmlns:a16="http://schemas.microsoft.com/office/drawing/2014/main" id="{E941503E-5F52-4B15-9964-F13C1E788070}"/>
-              </a:ext>
-            </a:extLst>
-          </p:cNvPr>
-          <p:cNvSpPr/>
-          <p:nvPr/>
-        </p:nvSpPr>
-        <p:spPr>
-          <a:xfrm>
-            <a:off x="8879348" y="1560238"/>
-            <a:ext cx="584492" cy="369332"/>
-          </a:xfrm>
-          <a:prstGeom prst="ellipse">
-            <a:avLst/>
-          </a:prstGeom>
-          <a:solidFill>
-            <a:srgbClr val="F735E0"/>
-          </a:solidFill>
-          <a:ln>
-            <a:noFill/>
-          </a:ln>
-        </p:spPr>
-        <p:style>
-          <a:lnRef idx="2">
-            <a:schemeClr val="accent1">
-              <a:shade val="50000"/>
-            </a:schemeClr>
-          </a:lnRef>
-          <a:fillRef idx="1">
-            <a:schemeClr val="accent1"/>
-          </a:fillRef>
-          <a:effectRef idx="0">
-            <a:schemeClr val="accent1"/>
-          </a:effectRef>
-          <a:fontRef idx="minor">
-            <a:schemeClr val="lt1"/>
-          </a:fontRef>
-        </p:style>
-        <p:txBody>
-          <a:bodyPr rtlCol="0" anchor="ctr"/>
-          <a:lstStyle/>
-          <a:p>
-            <a:pPr algn="ctr"/>
-            <a:r>
-              <a:rPr lang="en-US" sz="2400" b="1" dirty="0">
-                <a:effectLst>
-                  <a:outerShdw blurRad="38100" dist="38100" dir="2700000" algn="tl">
-                    <a:srgbClr val="000000">
-                      <a:alpha val="43137"/>
-                    </a:srgbClr>
-                  </a:outerShdw>
-                </a:effectLst>
-                <a:latin typeface="Angsana New" panose="02020603050405020304" pitchFamily="18" charset="-34"/>
-                <a:cs typeface="Angsana New" panose="02020603050405020304" pitchFamily="18" charset="-34"/>
-              </a:rPr>
-              <a:t>F2</a:t>
-            </a:r>
-          </a:p>
-        </p:txBody>
-      </p:sp>
-      <p:sp>
-        <p:nvSpPr>
-          <p:cNvPr id="49" name="Oval 48">
-            <a:extLst>
-              <a:ext uri="{FF2B5EF4-FFF2-40B4-BE49-F238E27FC236}">
-                <a16:creationId xmlns:a16="http://schemas.microsoft.com/office/drawing/2014/main" id="{17DC9997-A275-43C1-8E2A-5EA35FEDE9A7}"/>
-              </a:ext>
-            </a:extLst>
-          </p:cNvPr>
-          <p:cNvSpPr/>
-          <p:nvPr/>
-        </p:nvSpPr>
-        <p:spPr>
-          <a:xfrm>
-            <a:off x="8564484" y="3724752"/>
-            <a:ext cx="584492" cy="369332"/>
-          </a:xfrm>
-          <a:prstGeom prst="ellipse">
-            <a:avLst/>
-          </a:prstGeom>
-          <a:solidFill>
-            <a:srgbClr val="F735E0"/>
-          </a:solidFill>
-          <a:ln>
-            <a:noFill/>
-          </a:ln>
-        </p:spPr>
-        <p:style>
-          <a:lnRef idx="2">
-            <a:schemeClr val="accent1">
-              <a:shade val="50000"/>
-            </a:schemeClr>
-          </a:lnRef>
-          <a:fillRef idx="1">
-            <a:schemeClr val="accent1"/>
-          </a:fillRef>
-          <a:effectRef idx="0">
-            <a:schemeClr val="accent1"/>
-          </a:effectRef>
-          <a:fontRef idx="minor">
-            <a:schemeClr val="lt1"/>
-          </a:fontRef>
-        </p:style>
-        <p:txBody>
-          <a:bodyPr rtlCol="0" anchor="ctr"/>
-          <a:lstStyle/>
-          <a:p>
-            <a:pPr algn="ctr"/>
-            <a:r>
-              <a:rPr lang="en-US" sz="2400" b="1" dirty="0">
-                <a:effectLst>
-                  <a:outerShdw blurRad="38100" dist="38100" dir="2700000" algn="tl">
-                    <a:srgbClr val="000000">
-                      <a:alpha val="43137"/>
-                    </a:srgbClr>
-                  </a:outerShdw>
-                </a:effectLst>
-                <a:latin typeface="Angsana New" panose="02020603050405020304" pitchFamily="18" charset="-34"/>
-                <a:cs typeface="Angsana New" panose="02020603050405020304" pitchFamily="18" charset="-34"/>
-              </a:rPr>
-              <a:t>F2</a:t>
-            </a:r>
-          </a:p>
-        </p:txBody>
-      </p:sp>
-      <p:sp>
-        <p:nvSpPr>
-          <p:cNvPr id="50" name="Oval 49">
-            <a:extLst>
-              <a:ext uri="{FF2B5EF4-FFF2-40B4-BE49-F238E27FC236}">
-                <a16:creationId xmlns:a16="http://schemas.microsoft.com/office/drawing/2014/main" id="{26A1BAB3-92F4-4398-8529-054F509D6BA6}"/>
-              </a:ext>
-            </a:extLst>
-          </p:cNvPr>
-          <p:cNvSpPr/>
-          <p:nvPr/>
-        </p:nvSpPr>
-        <p:spPr>
-          <a:xfrm>
-            <a:off x="8727027" y="4235940"/>
-            <a:ext cx="578111" cy="369332"/>
-          </a:xfrm>
-          <a:prstGeom prst="ellipse">
-            <a:avLst/>
-          </a:prstGeom>
-          <a:solidFill>
-            <a:srgbClr val="4BACC6"/>
-          </a:solidFill>
-          <a:ln>
-            <a:noFill/>
-          </a:ln>
-        </p:spPr>
-        <p:style>
-          <a:lnRef idx="2">
-            <a:schemeClr val="accent1">
-              <a:shade val="50000"/>
-            </a:schemeClr>
-          </a:lnRef>
-          <a:fillRef idx="1">
-            <a:schemeClr val="accent1"/>
-          </a:fillRef>
-          <a:effectRef idx="0">
-            <a:schemeClr val="accent1"/>
-          </a:effectRef>
-          <a:fontRef idx="minor">
-            <a:schemeClr val="lt1"/>
-          </a:fontRef>
-        </p:style>
-        <p:txBody>
-          <a:bodyPr rtlCol="0" anchor="ctr"/>
-          <a:lstStyle/>
-          <a:p>
-            <a:pPr algn="ctr"/>
-            <a:r>
-              <a:rPr lang="en-US" sz="2400" b="1" dirty="0">
-                <a:effectLst>
-                  <a:outerShdw blurRad="38100" dist="38100" dir="2700000" algn="tl">
-                    <a:srgbClr val="000000">
-                      <a:alpha val="43137"/>
-                    </a:srgbClr>
-                  </a:outerShdw>
-                </a:effectLst>
-                <a:latin typeface="Angsana New" panose="02020603050405020304" pitchFamily="18" charset="-34"/>
-                <a:cs typeface="Angsana New" panose="02020603050405020304" pitchFamily="18" charset="-34"/>
-              </a:rPr>
-              <a:t>F3</a:t>
-            </a:r>
-          </a:p>
-        </p:txBody>
-      </p:sp>
-      <p:sp>
-        <p:nvSpPr>
-          <p:cNvPr id="51" name="Oval 50">
-            <a:extLst>
-              <a:ext uri="{FF2B5EF4-FFF2-40B4-BE49-F238E27FC236}">
-                <a16:creationId xmlns:a16="http://schemas.microsoft.com/office/drawing/2014/main" id="{E3665FD4-F559-4FD8-8FA8-1F261697F578}"/>
-              </a:ext>
-            </a:extLst>
-          </p:cNvPr>
-          <p:cNvSpPr/>
-          <p:nvPr/>
-        </p:nvSpPr>
-        <p:spPr>
-          <a:xfrm>
-            <a:off x="8391456" y="4836437"/>
-            <a:ext cx="683773" cy="369332"/>
-          </a:xfrm>
-          <a:prstGeom prst="ellipse">
-            <a:avLst/>
-          </a:prstGeom>
-          <a:solidFill>
-            <a:srgbClr val="FFC000"/>
-          </a:solidFill>
-          <a:ln>
-            <a:noFill/>
-          </a:ln>
-        </p:spPr>
-        <p:style>
-          <a:lnRef idx="2">
-            <a:schemeClr val="accent1">
-              <a:shade val="50000"/>
-            </a:schemeClr>
-          </a:lnRef>
-          <a:fillRef idx="1">
-            <a:schemeClr val="accent1"/>
-          </a:fillRef>
-          <a:effectRef idx="0">
-            <a:schemeClr val="accent1"/>
-          </a:effectRef>
-          <a:fontRef idx="minor">
-            <a:schemeClr val="lt1"/>
-          </a:fontRef>
-        </p:style>
-        <p:txBody>
-          <a:bodyPr rtlCol="0" anchor="ctr"/>
-          <a:lstStyle/>
-          <a:p>
-            <a:pPr algn="ctr"/>
-            <a:r>
-              <a:rPr lang="en-US" sz="2400" b="1" dirty="0">
-                <a:effectLst>
-                  <a:outerShdw blurRad="38100" dist="38100" dir="2700000" algn="tl">
-                    <a:srgbClr val="000000">
-                      <a:alpha val="43137"/>
-                    </a:srgbClr>
-                  </a:outerShdw>
-                </a:effectLst>
-                <a:latin typeface="Angsana New" panose="02020603050405020304" pitchFamily="18" charset="-34"/>
-                <a:cs typeface="Angsana New" panose="02020603050405020304" pitchFamily="18" charset="-34"/>
-              </a:rPr>
-              <a:t>M2</a:t>
-            </a:r>
-          </a:p>
-        </p:txBody>
-      </p:sp>
-      <p:sp>
-        <p:nvSpPr>
-          <p:cNvPr id="52" name="Oval 51">
-            <a:extLst>
-              <a:ext uri="{FF2B5EF4-FFF2-40B4-BE49-F238E27FC236}">
-                <a16:creationId xmlns:a16="http://schemas.microsoft.com/office/drawing/2014/main" id="{87EFF567-E37F-4397-B589-EB12A6484B34}"/>
-              </a:ext>
-            </a:extLst>
-          </p:cNvPr>
-          <p:cNvSpPr/>
-          <p:nvPr/>
-        </p:nvSpPr>
-        <p:spPr>
-          <a:xfrm>
-            <a:off x="9073358" y="4920635"/>
-            <a:ext cx="578111" cy="369332"/>
-          </a:xfrm>
-          <a:prstGeom prst="ellipse">
-            <a:avLst/>
-          </a:prstGeom>
-          <a:solidFill>
-            <a:srgbClr val="4BACC6"/>
-          </a:solidFill>
-          <a:ln>
-            <a:noFill/>
-          </a:ln>
-        </p:spPr>
-        <p:style>
-          <a:lnRef idx="2">
-            <a:schemeClr val="accent1">
-              <a:shade val="50000"/>
-            </a:schemeClr>
-          </a:lnRef>
-          <a:fillRef idx="1">
-            <a:schemeClr val="accent1"/>
-          </a:fillRef>
-          <a:effectRef idx="0">
-            <a:schemeClr val="accent1"/>
-          </a:effectRef>
-          <a:fontRef idx="minor">
-            <a:schemeClr val="lt1"/>
-          </a:fontRef>
-        </p:style>
-        <p:txBody>
-          <a:bodyPr rtlCol="0" anchor="ctr"/>
-          <a:lstStyle/>
-          <a:p>
-            <a:pPr algn="ctr"/>
-            <a:r>
-              <a:rPr lang="en-US" sz="2400" b="1" dirty="0">
-                <a:effectLst>
-                  <a:outerShdw blurRad="38100" dist="38100" dir="2700000" algn="tl">
-                    <a:srgbClr val="000000">
-                      <a:alpha val="43137"/>
-                    </a:srgbClr>
-                  </a:outerShdw>
-                </a:effectLst>
-                <a:latin typeface="Angsana New" panose="02020603050405020304" pitchFamily="18" charset="-34"/>
-                <a:cs typeface="Angsana New" panose="02020603050405020304" pitchFamily="18" charset="-34"/>
-              </a:rPr>
-              <a:t>F3</a:t>
-            </a:r>
-          </a:p>
-        </p:txBody>
-      </p:sp>
-      <p:sp>
-        <p:nvSpPr>
-          <p:cNvPr id="53" name="Oval 52">
-            <a:extLst>
-              <a:ext uri="{FF2B5EF4-FFF2-40B4-BE49-F238E27FC236}">
-                <a16:creationId xmlns:a16="http://schemas.microsoft.com/office/drawing/2014/main" id="{AC683E7C-F058-4EC8-8BA3-5BDCB9D0CC93}"/>
-              </a:ext>
-            </a:extLst>
-          </p:cNvPr>
-          <p:cNvSpPr/>
-          <p:nvPr/>
-        </p:nvSpPr>
-        <p:spPr>
-          <a:xfrm>
-            <a:off x="8511953" y="5516969"/>
-            <a:ext cx="584492" cy="369332"/>
-          </a:xfrm>
-          <a:prstGeom prst="ellipse">
-            <a:avLst/>
-          </a:prstGeom>
-          <a:solidFill>
-            <a:srgbClr val="F735E0"/>
-          </a:solidFill>
-          <a:ln>
-            <a:noFill/>
-          </a:ln>
-        </p:spPr>
-        <p:style>
-          <a:lnRef idx="2">
-            <a:schemeClr val="accent1">
-              <a:shade val="50000"/>
-            </a:schemeClr>
-          </a:lnRef>
-          <a:fillRef idx="1">
-            <a:schemeClr val="accent1"/>
-          </a:fillRef>
-          <a:effectRef idx="0">
-            <a:schemeClr val="accent1"/>
-          </a:effectRef>
-          <a:fontRef idx="minor">
-            <a:schemeClr val="lt1"/>
-          </a:fontRef>
-        </p:style>
-        <p:txBody>
-          <a:bodyPr rtlCol="0" anchor="ctr"/>
-          <a:lstStyle/>
-          <a:p>
-            <a:pPr algn="ctr"/>
-            <a:r>
-              <a:rPr lang="en-US" sz="2400" b="1" dirty="0">
-                <a:effectLst>
-                  <a:outerShdw blurRad="38100" dist="38100" dir="2700000" algn="tl">
-                    <a:srgbClr val="000000">
-                      <a:alpha val="43137"/>
-                    </a:srgbClr>
-                  </a:outerShdw>
-                </a:effectLst>
-                <a:latin typeface="Angsana New" panose="02020603050405020304" pitchFamily="18" charset="-34"/>
-                <a:cs typeface="Angsana New" panose="02020603050405020304" pitchFamily="18" charset="-34"/>
-              </a:rPr>
-              <a:t>F2</a:t>
-            </a:r>
-          </a:p>
-        </p:txBody>
-      </p:sp>
-      <p:sp>
-        <p:nvSpPr>
-          <p:cNvPr id="54" name="Oval 53">
-            <a:extLst>
-              <a:ext uri="{FF2B5EF4-FFF2-40B4-BE49-F238E27FC236}">
-                <a16:creationId xmlns:a16="http://schemas.microsoft.com/office/drawing/2014/main" id="{CA414EEE-E811-4A0E-9916-FEF226ECDBD8}"/>
-              </a:ext>
-            </a:extLst>
-          </p:cNvPr>
-          <p:cNvSpPr/>
-          <p:nvPr/>
-        </p:nvSpPr>
-        <p:spPr>
-          <a:xfrm>
-            <a:off x="7694594" y="5389664"/>
-            <a:ext cx="584492" cy="369332"/>
-          </a:xfrm>
-          <a:prstGeom prst="ellipse">
-            <a:avLst/>
-          </a:prstGeom>
-          <a:solidFill>
-            <a:srgbClr val="F735E0"/>
-          </a:solidFill>
-          <a:ln>
-            <a:noFill/>
-          </a:ln>
-        </p:spPr>
-        <p:style>
-          <a:lnRef idx="2">
-            <a:schemeClr val="accent1">
-              <a:shade val="50000"/>
-            </a:schemeClr>
-          </a:lnRef>
-          <a:fillRef idx="1">
-            <a:schemeClr val="accent1"/>
-          </a:fillRef>
-          <a:effectRef idx="0">
-            <a:schemeClr val="accent1"/>
-          </a:effectRef>
-          <a:fontRef idx="minor">
-            <a:schemeClr val="lt1"/>
-          </a:fontRef>
-        </p:style>
-        <p:txBody>
-          <a:bodyPr rtlCol="0" anchor="ctr"/>
-          <a:lstStyle/>
-          <a:p>
-            <a:pPr algn="ctr"/>
-            <a:r>
-              <a:rPr lang="en-US" sz="2400" b="1" dirty="0">
-                <a:effectLst>
-                  <a:outerShdw blurRad="38100" dist="38100" dir="2700000" algn="tl">
-                    <a:srgbClr val="000000">
-                      <a:alpha val="43137"/>
-                    </a:srgbClr>
-                  </a:outerShdw>
-                </a:effectLst>
-                <a:latin typeface="Angsana New" panose="02020603050405020304" pitchFamily="18" charset="-34"/>
-                <a:cs typeface="Angsana New" panose="02020603050405020304" pitchFamily="18" charset="-34"/>
-              </a:rPr>
-              <a:t>F2</a:t>
-            </a:r>
           </a:p>
         </p:txBody>
       </p:sp>
